--- a/ViT_docs/Test scenario-ViT/No.1-연결탐색기(Database Navigator).pptx
+++ b/ViT_docs/Test scenario-ViT/No.1-연결탐색기(Database Navigator).pptx
@@ -15,7 +15,7 @@
     <p:sldId id="487" r:id="rId6"/>
     <p:sldId id="762" r:id="rId7"/>
     <p:sldId id="768" r:id="rId8"/>
-    <p:sldId id="745" r:id="rId9"/>
+    <p:sldId id="777" r:id="rId9"/>
     <p:sldId id="769" r:id="rId10"/>
     <p:sldId id="770" r:id="rId11"/>
     <p:sldId id="771" r:id="rId12"/>
@@ -3418,25 +3418,18 @@
           <a:lstStyle/>
           <a:p>
             <a:r>
-              <a:rPr lang="ko-KR" altLang="en-US" sz="4400" b="1" dirty="0">
+              <a:rPr lang="en-US" altLang="ko-KR" sz="4400" b="1">
                 <a:latin typeface="나눔고딕" pitchFamily="50" charset="-127"/>
                 <a:ea typeface="나눔고딕" pitchFamily="50" charset="-127"/>
               </a:rPr>
-              <a:t>연결탐색기 </a:t>
-            </a:r>
-            <a:r>
-              <a:rPr lang="en-US" altLang="ko-KR" sz="4400" b="1" dirty="0">
+              <a:t>1. </a:t>
+            </a:r>
+            <a:r>
+              <a:rPr lang="ko-KR" altLang="en-US" sz="4400" b="1">
                 <a:latin typeface="나눔고딕" pitchFamily="50" charset="-127"/>
                 <a:ea typeface="나눔고딕" pitchFamily="50" charset="-127"/>
               </a:rPr>
-              <a:t>&amp; </a:t>
-            </a:r>
-            <a:r>
-              <a:rPr lang="ko-KR" altLang="en-US" sz="4400" b="1" dirty="0" err="1">
-                <a:latin typeface="나눔고딕" pitchFamily="50" charset="-127"/>
-                <a:ea typeface="나눔고딕" pitchFamily="50" charset="-127"/>
-              </a:rPr>
-              <a:t>질의창</a:t>
+              <a:t>연결탐색기</a:t>
             </a:r>
             <a:endParaRPr lang="ko-KR" altLang="en-US" sz="4400" b="1" dirty="0">
               <a:latin typeface="나눔고딕" pitchFamily="50" charset="-127"/>
@@ -4252,7 +4245,7 @@
               <a:t>: </a:t>
             </a:r>
             <a:r>
-              <a:rPr lang="ko-KR" altLang="en-US" dirty="0">
+              <a:rPr lang="ko-KR" altLang="en-US">
                 <a:solidFill>
                   <a:schemeClr val="tx2"/>
                 </a:solidFill>
@@ -4262,6 +4255,16 @@
               <a:t>최종적으로 </a:t>
             </a:r>
             <a:r>
+              <a:rPr lang="en-US" altLang="ko-KR">
+                <a:solidFill>
+                  <a:schemeClr val="tx2"/>
+                </a:solidFill>
+                <a:latin typeface="+mn-lt"/>
+                <a:ea typeface="+mj-ea"/>
+              </a:rPr>
+              <a:t>demodb </a:t>
+            </a:r>
+            <a:r>
               <a:rPr lang="en-US" altLang="ko-KR" dirty="0">
                 <a:solidFill>
                   <a:schemeClr val="tx2"/>
@@ -4269,7 +4272,7 @@
                 <a:latin typeface="+mn-lt"/>
                 <a:ea typeface="+mj-ea"/>
               </a:rPr>
-              <a:t>neo4j 1</a:t>
+              <a:t>1</a:t>
             </a:r>
             <a:r>
               <a:rPr lang="ko-KR" altLang="en-US" dirty="0">
@@ -4678,11 +4681,18 @@
               <a:buChar char="-"/>
             </a:pPr>
             <a:r>
+              <a:rPr lang="en-US" altLang="ko-KR">
+                <a:latin typeface="+mn-lt"/>
+                <a:ea typeface="+mj-ea"/>
+              </a:rPr>
+              <a:t>demodb </a:t>
+            </a:r>
+            <a:r>
               <a:rPr lang="en-US" altLang="ko-KR" dirty="0">
                 <a:latin typeface="+mn-lt"/>
                 <a:ea typeface="+mj-ea"/>
               </a:rPr>
-              <a:t>Neo4j 1 </a:t>
+              <a:t>1 </a:t>
             </a:r>
             <a:r>
               <a:rPr lang="ko-KR" altLang="en-US" dirty="0">
@@ -5135,196 +5145,233 @@
           </a:p>
         </p:txBody>
       </p:sp>
-      <p:pic>
-        <p:nvPicPr>
-          <p:cNvPr id="4" name="그림 3">
+      <p:grpSp>
+        <p:nvGrpSpPr>
+          <p:cNvPr id="2" name="그룹 1">
             <a:extLst>
               <a:ext uri="{FF2B5EF4-FFF2-40B4-BE49-F238E27FC236}">
-                <a16:creationId xmlns:a16="http://schemas.microsoft.com/office/drawing/2014/main" id="{084630F7-FE0A-C8D2-7ABD-55E4D1CC93D0}"/>
+                <a16:creationId xmlns:a16="http://schemas.microsoft.com/office/drawing/2014/main" id="{AAFBD4F7-6512-F10C-DFDE-12047312FB58}"/>
               </a:ext>
             </a:extLst>
           </p:cNvPr>
-          <p:cNvPicPr>
-            <a:picLocks noChangeAspect="1"/>
-          </p:cNvPicPr>
+          <p:cNvGrpSpPr/>
           <p:nvPr/>
-        </p:nvPicPr>
-        <p:blipFill>
-          <a:blip r:embed="rId2"/>
-          <a:stretch>
-            <a:fillRect/>
-          </a:stretch>
-        </p:blipFill>
-        <p:spPr>
+        </p:nvGrpSpPr>
+        <p:grpSpPr>
           <a:xfrm>
-            <a:off x="539552" y="1484784"/>
-            <a:ext cx="8075240" cy="4824536"/>
+            <a:off x="521804" y="1720132"/>
+            <a:ext cx="8100392" cy="4589188"/>
+            <a:chOff x="521804" y="1720132"/>
+            <a:chExt cx="8100392" cy="4589188"/>
           </a:xfrm>
-          <a:prstGeom prst="rect">
-            <a:avLst/>
-          </a:prstGeom>
-        </p:spPr>
-      </p:pic>
-      <p:sp>
-        <p:nvSpPr>
-          <p:cNvPr id="5" name="직사각형 4">
-            <a:extLst>
-              <a:ext uri="{FF2B5EF4-FFF2-40B4-BE49-F238E27FC236}">
-                <a16:creationId xmlns:a16="http://schemas.microsoft.com/office/drawing/2014/main" id="{C7DE3FE7-649F-427E-46D1-81A348AFA3D7}"/>
-              </a:ext>
-            </a:extLst>
-          </p:cNvPr>
-          <p:cNvSpPr/>
-          <p:nvPr/>
-        </p:nvSpPr>
-        <p:spPr>
-          <a:xfrm>
-            <a:off x="529208" y="1844824"/>
-            <a:ext cx="1450504" cy="3096344"/>
-          </a:xfrm>
-          <a:prstGeom prst="rect">
-            <a:avLst/>
-          </a:prstGeom>
-          <a:noFill/>
-          <a:ln>
-            <a:solidFill>
-              <a:srgbClr val="C00000"/>
-            </a:solidFill>
-          </a:ln>
-        </p:spPr>
-        <p:style>
-          <a:lnRef idx="2">
-            <a:schemeClr val="accent6"/>
-          </a:lnRef>
-          <a:fillRef idx="1">
-            <a:schemeClr val="lt1"/>
-          </a:fillRef>
-          <a:effectRef idx="0">
-            <a:schemeClr val="accent6"/>
-          </a:effectRef>
-          <a:fontRef idx="minor">
-            <a:schemeClr val="dk1"/>
-          </a:fontRef>
-        </p:style>
-        <p:txBody>
-          <a:bodyPr rtlCol="0" anchor="ctr"/>
-          <a:lstStyle/>
-          <a:p>
-            <a:pPr algn="ctr"/>
-            <a:r>
-              <a:rPr lang="ko-KR" altLang="en-US" dirty="0"/>
-              <a:t>연결탐색기</a:t>
-            </a:r>
-          </a:p>
-        </p:txBody>
-      </p:sp>
-      <p:sp>
-        <p:nvSpPr>
-          <p:cNvPr id="6" name="직사각형 5">
-            <a:extLst>
-              <a:ext uri="{FF2B5EF4-FFF2-40B4-BE49-F238E27FC236}">
-                <a16:creationId xmlns:a16="http://schemas.microsoft.com/office/drawing/2014/main" id="{531674D6-C2D7-4AE8-72AF-5366C1691BF6}"/>
-              </a:ext>
-            </a:extLst>
-          </p:cNvPr>
-          <p:cNvSpPr/>
-          <p:nvPr/>
-        </p:nvSpPr>
-        <p:spPr>
-          <a:xfrm>
-            <a:off x="1979712" y="1880828"/>
-            <a:ext cx="6624736" cy="756084"/>
-          </a:xfrm>
-          <a:prstGeom prst="rect">
-            <a:avLst/>
-          </a:prstGeom>
-          <a:noFill/>
-          <a:ln>
-            <a:solidFill>
-              <a:srgbClr val="C00000"/>
-            </a:solidFill>
-          </a:ln>
-        </p:spPr>
-        <p:style>
-          <a:lnRef idx="2">
-            <a:schemeClr val="accent6"/>
-          </a:lnRef>
-          <a:fillRef idx="1">
-            <a:schemeClr val="lt1"/>
-          </a:fillRef>
-          <a:effectRef idx="0">
-            <a:schemeClr val="accent6"/>
-          </a:effectRef>
-          <a:fontRef idx="minor">
-            <a:schemeClr val="dk1"/>
-          </a:fontRef>
-        </p:style>
-        <p:txBody>
-          <a:bodyPr rtlCol="0" anchor="ctr"/>
-          <a:lstStyle/>
-          <a:p>
-            <a:pPr algn="ctr"/>
-            <a:r>
-              <a:rPr lang="ko-KR" altLang="en-US" dirty="0" err="1"/>
-              <a:t>질의창</a:t>
-            </a:r>
-            <a:endParaRPr lang="ko-KR" altLang="en-US" dirty="0"/>
-          </a:p>
-        </p:txBody>
-      </p:sp>
-      <p:sp>
-        <p:nvSpPr>
-          <p:cNvPr id="7" name="직사각형 6">
-            <a:extLst>
-              <a:ext uri="{FF2B5EF4-FFF2-40B4-BE49-F238E27FC236}">
-                <a16:creationId xmlns:a16="http://schemas.microsoft.com/office/drawing/2014/main" id="{28C15FA0-1E68-FF7F-84A4-5E39F6A5AA6C}"/>
-              </a:ext>
-            </a:extLst>
-          </p:cNvPr>
-          <p:cNvSpPr/>
-          <p:nvPr/>
-        </p:nvSpPr>
-        <p:spPr>
-          <a:xfrm>
-            <a:off x="1979712" y="2636912"/>
-            <a:ext cx="6624736" cy="3672408"/>
-          </a:xfrm>
-          <a:prstGeom prst="rect">
-            <a:avLst/>
-          </a:prstGeom>
-          <a:noFill/>
-          <a:ln>
-            <a:solidFill>
-              <a:srgbClr val="C00000"/>
-            </a:solidFill>
-          </a:ln>
-        </p:spPr>
-        <p:style>
-          <a:lnRef idx="2">
-            <a:schemeClr val="accent6"/>
-          </a:lnRef>
-          <a:fillRef idx="1">
-            <a:schemeClr val="lt1"/>
-          </a:fillRef>
-          <a:effectRef idx="0">
-            <a:schemeClr val="accent6"/>
-          </a:effectRef>
-          <a:fontRef idx="minor">
-            <a:schemeClr val="dk1"/>
-          </a:fontRef>
-        </p:style>
-        <p:txBody>
-          <a:bodyPr rtlCol="0" anchor="ctr"/>
-          <a:lstStyle/>
-          <a:p>
-            <a:pPr algn="ctr"/>
-            <a:r>
-              <a:rPr lang="ko-KR" altLang="en-US" dirty="0"/>
-              <a:t>시각화 뷰 및 세부정보창</a:t>
-            </a:r>
-          </a:p>
-        </p:txBody>
-      </p:sp>
+        </p:grpSpPr>
+        <p:pic>
+          <p:nvPicPr>
+            <p:cNvPr id="3" name="그림 2">
+              <a:extLst>
+                <a:ext uri="{FF2B5EF4-FFF2-40B4-BE49-F238E27FC236}">
+                  <a16:creationId xmlns:a16="http://schemas.microsoft.com/office/drawing/2014/main" id="{11218650-49F6-8600-7D7C-FA152661B8AF}"/>
+                </a:ext>
+              </a:extLst>
+            </p:cNvPr>
+            <p:cNvPicPr>
+              <a:picLocks noChangeAspect="1"/>
+            </p:cNvPicPr>
+            <p:nvPr/>
+          </p:nvPicPr>
+          <p:blipFill>
+            <a:blip r:embed="rId2"/>
+            <a:stretch>
+              <a:fillRect/>
+            </a:stretch>
+          </p:blipFill>
+          <p:spPr>
+            <a:xfrm>
+              <a:off x="521804" y="1720132"/>
+              <a:ext cx="8100392" cy="4589188"/>
+            </a:xfrm>
+            <a:prstGeom prst="rect">
+              <a:avLst/>
+            </a:prstGeom>
+          </p:spPr>
+        </p:pic>
+        <p:sp>
+          <p:nvSpPr>
+            <p:cNvPr id="8" name="직사각형 7">
+              <a:extLst>
+                <a:ext uri="{FF2B5EF4-FFF2-40B4-BE49-F238E27FC236}">
+                  <a16:creationId xmlns:a16="http://schemas.microsoft.com/office/drawing/2014/main" id="{766FF8EC-0A34-A5CA-B30F-1D1BF9FB83EF}"/>
+                </a:ext>
+              </a:extLst>
+            </p:cNvPr>
+            <p:cNvSpPr/>
+            <p:nvPr/>
+          </p:nvSpPr>
+          <p:spPr>
+            <a:xfrm>
+              <a:off x="529208" y="1844824"/>
+              <a:ext cx="2458616" cy="3960440"/>
+            </a:xfrm>
+            <a:prstGeom prst="rect">
+              <a:avLst/>
+            </a:prstGeom>
+            <a:noFill/>
+            <a:ln>
+              <a:solidFill>
+                <a:srgbClr val="C00000"/>
+              </a:solidFill>
+            </a:ln>
+          </p:spPr>
+          <p:style>
+            <a:lnRef idx="2">
+              <a:schemeClr val="accent6"/>
+            </a:lnRef>
+            <a:fillRef idx="1">
+              <a:schemeClr val="lt1"/>
+            </a:fillRef>
+            <a:effectRef idx="0">
+              <a:schemeClr val="accent6"/>
+            </a:effectRef>
+            <a:fontRef idx="minor">
+              <a:schemeClr val="dk1"/>
+            </a:fontRef>
+          </p:style>
+          <p:txBody>
+            <a:bodyPr rtlCol="0" anchor="ctr"/>
+            <a:lstStyle/>
+            <a:p>
+              <a:pPr algn="ctr"/>
+              <a:r>
+                <a:rPr lang="ko-KR" altLang="en-US" dirty="0">
+                  <a:latin typeface="나눔고딕" panose="020D0604000000000000" pitchFamily="50" charset="-127"/>
+                  <a:ea typeface="나눔고딕" panose="020D0604000000000000" pitchFamily="50" charset="-127"/>
+                </a:rPr>
+                <a:t>연결탐색기</a:t>
+              </a:r>
+            </a:p>
+          </p:txBody>
+        </p:sp>
+        <p:sp>
+          <p:nvSpPr>
+            <p:cNvPr id="9" name="직사각형 8">
+              <a:extLst>
+                <a:ext uri="{FF2B5EF4-FFF2-40B4-BE49-F238E27FC236}">
+                  <a16:creationId xmlns:a16="http://schemas.microsoft.com/office/drawing/2014/main" id="{56E29132-4388-3113-08BC-6F7DB16C9C12}"/>
+                </a:ext>
+              </a:extLst>
+            </p:cNvPr>
+            <p:cNvSpPr/>
+            <p:nvPr/>
+          </p:nvSpPr>
+          <p:spPr>
+            <a:xfrm>
+              <a:off x="2987824" y="1880828"/>
+              <a:ext cx="5616624" cy="1404156"/>
+            </a:xfrm>
+            <a:prstGeom prst="rect">
+              <a:avLst/>
+            </a:prstGeom>
+            <a:noFill/>
+            <a:ln>
+              <a:solidFill>
+                <a:srgbClr val="C00000"/>
+              </a:solidFill>
+            </a:ln>
+          </p:spPr>
+          <p:style>
+            <a:lnRef idx="2">
+              <a:schemeClr val="accent6"/>
+            </a:lnRef>
+            <a:fillRef idx="1">
+              <a:schemeClr val="lt1"/>
+            </a:fillRef>
+            <a:effectRef idx="0">
+              <a:schemeClr val="accent6"/>
+            </a:effectRef>
+            <a:fontRef idx="minor">
+              <a:schemeClr val="dk1"/>
+            </a:fontRef>
+          </p:style>
+          <p:txBody>
+            <a:bodyPr rtlCol="0" anchor="ctr"/>
+            <a:lstStyle/>
+            <a:p>
+              <a:pPr algn="ctr"/>
+              <a:r>
+                <a:rPr lang="ko-KR" altLang="en-US" dirty="0" err="1">
+                  <a:latin typeface="나눔고딕" panose="020D0604000000000000" pitchFamily="50" charset="-127"/>
+                  <a:ea typeface="나눔고딕" panose="020D0604000000000000" pitchFamily="50" charset="-127"/>
+                </a:rPr>
+                <a:t>질의창</a:t>
+              </a:r>
+              <a:endParaRPr lang="ko-KR" altLang="en-US" dirty="0">
+                <a:latin typeface="나눔고딕" panose="020D0604000000000000" pitchFamily="50" charset="-127"/>
+                <a:ea typeface="나눔고딕" panose="020D0604000000000000" pitchFamily="50" charset="-127"/>
+              </a:endParaRPr>
+            </a:p>
+          </p:txBody>
+        </p:sp>
+        <p:sp>
+          <p:nvSpPr>
+            <p:cNvPr id="10" name="직사각형 9">
+              <a:extLst>
+                <a:ext uri="{FF2B5EF4-FFF2-40B4-BE49-F238E27FC236}">
+                  <a16:creationId xmlns:a16="http://schemas.microsoft.com/office/drawing/2014/main" id="{1003BE52-97F9-D1F1-CA56-1E1215C14949}"/>
+                </a:ext>
+              </a:extLst>
+            </p:cNvPr>
+            <p:cNvSpPr/>
+            <p:nvPr/>
+          </p:nvSpPr>
+          <p:spPr>
+            <a:xfrm>
+              <a:off x="2987824" y="3284984"/>
+              <a:ext cx="5616624" cy="3024336"/>
+            </a:xfrm>
+            <a:prstGeom prst="rect">
+              <a:avLst/>
+            </a:prstGeom>
+            <a:noFill/>
+            <a:ln>
+              <a:solidFill>
+                <a:srgbClr val="C00000"/>
+              </a:solidFill>
+            </a:ln>
+          </p:spPr>
+          <p:style>
+            <a:lnRef idx="2">
+              <a:schemeClr val="accent6"/>
+            </a:lnRef>
+            <a:fillRef idx="1">
+              <a:schemeClr val="lt1"/>
+            </a:fillRef>
+            <a:effectRef idx="0">
+              <a:schemeClr val="accent6"/>
+            </a:effectRef>
+            <a:fontRef idx="minor">
+              <a:schemeClr val="dk1"/>
+            </a:fontRef>
+          </p:style>
+          <p:txBody>
+            <a:bodyPr rtlCol="0" anchor="ctr"/>
+            <a:lstStyle/>
+            <a:p>
+              <a:pPr algn="ctr"/>
+              <a:r>
+                <a:rPr lang="ko-KR" altLang="en-US">
+                  <a:latin typeface="나눔고딕" panose="020D0604000000000000" pitchFamily="50" charset="-127"/>
+                  <a:ea typeface="나눔고딕" panose="020D0604000000000000" pitchFamily="50" charset="-127"/>
+                </a:rPr>
+                <a:t>시각화 뷰</a:t>
+              </a:r>
+              <a:endParaRPr lang="ko-KR" altLang="en-US" dirty="0">
+                <a:latin typeface="나눔고딕" panose="020D0604000000000000" pitchFamily="50" charset="-127"/>
+                <a:ea typeface="나눔고딕" panose="020D0604000000000000" pitchFamily="50" charset="-127"/>
+              </a:endParaRPr>
+            </a:p>
+          </p:txBody>
+        </p:sp>
+      </p:grpSp>
     </p:spTree>
     <p:extLst>
       <p:ext uri="{BB962C8B-B14F-4D97-AF65-F5344CB8AC3E}">
@@ -5634,10 +5681,10 @@
       </p:grpSpPr>
       <p:pic>
         <p:nvPicPr>
-          <p:cNvPr id="32" name="그림 31">
+          <p:cNvPr id="7" name="그림 6">
             <a:extLst>
               <a:ext uri="{FF2B5EF4-FFF2-40B4-BE49-F238E27FC236}">
-                <a16:creationId xmlns:a16="http://schemas.microsoft.com/office/drawing/2014/main" id="{E39415B7-D675-911F-1212-6BC7DC4467AD}"/>
+                <a16:creationId xmlns:a16="http://schemas.microsoft.com/office/drawing/2014/main" id="{341F68A4-54A3-CFCC-37C2-ED3E49E7457B}"/>
               </a:ext>
             </a:extLst>
           </p:cNvPr>
@@ -5654,38 +5701,8 @@
         </p:blipFill>
         <p:spPr>
           <a:xfrm>
-            <a:off x="4856894" y="2191673"/>
-            <a:ext cx="3675546" cy="3934488"/>
-          </a:xfrm>
-          <a:prstGeom prst="rect">
-            <a:avLst/>
-          </a:prstGeom>
-        </p:spPr>
-      </p:pic>
-      <p:pic>
-        <p:nvPicPr>
-          <p:cNvPr id="17" name="그림 16">
-            <a:extLst>
-              <a:ext uri="{FF2B5EF4-FFF2-40B4-BE49-F238E27FC236}">
-                <a16:creationId xmlns:a16="http://schemas.microsoft.com/office/drawing/2014/main" id="{F2E36CCF-8546-71B0-DAB9-78D05EFC41AF}"/>
-              </a:ext>
-            </a:extLst>
-          </p:cNvPr>
-          <p:cNvPicPr>
-            <a:picLocks noChangeAspect="1"/>
-          </p:cNvPicPr>
-          <p:nvPr/>
-        </p:nvPicPr>
-        <p:blipFill>
-          <a:blip r:embed="rId3"/>
-          <a:stretch>
-            <a:fillRect/>
-          </a:stretch>
-        </p:blipFill>
-        <p:spPr>
-          <a:xfrm>
-            <a:off x="496920" y="2191673"/>
-            <a:ext cx="3643032" cy="3934490"/>
+            <a:off x="4984355" y="2559503"/>
+            <a:ext cx="3469398" cy="3312367"/>
           </a:xfrm>
           <a:prstGeom prst="rect">
             <a:avLst/>
@@ -5792,7 +5809,14 @@
                 <a:latin typeface="+mn-lt"/>
                 <a:ea typeface="+mj-ea"/>
               </a:rPr>
-              <a:t> Graph Databases Tab -&gt; TurboGraph++ </a:t>
+              <a:t> Graph Databases Tab -&gt; </a:t>
+            </a:r>
+            <a:r>
+              <a:rPr lang="en-US" altLang="ko-KR">
+                <a:latin typeface="+mn-lt"/>
+                <a:ea typeface="+mj-ea"/>
+              </a:rPr>
+              <a:t>TurboGraph++(New) </a:t>
             </a:r>
             <a:r>
               <a:rPr lang="ko-KR" altLang="en-US" dirty="0">
@@ -5822,53 +5846,81 @@
               <a:t>두번째 창 </a:t>
             </a:r>
             <a:r>
+              <a:rPr lang="en-US" altLang="ko-KR">
+                <a:latin typeface="+mn-lt"/>
+                <a:ea typeface="+mj-ea"/>
+              </a:rPr>
+              <a:t>: 192.168.2.54 TurboGraph++ </a:t>
+            </a:r>
+            <a:r>
+              <a:rPr lang="ko-KR" altLang="en-US" dirty="0">
+                <a:latin typeface="+mn-lt"/>
+                <a:ea typeface="+mj-ea"/>
+              </a:rPr>
+              <a:t>테스트 서버에서 진행 하며</a:t>
+            </a:r>
+            <a:r>
               <a:rPr lang="en-US" altLang="ko-KR" dirty="0">
                 <a:latin typeface="+mn-lt"/>
                 <a:ea typeface="+mj-ea"/>
               </a:rPr>
-              <a:t>: 192.168.2.48 Neo4j </a:t>
+              <a:t>, </a:t>
             </a:r>
             <a:r>
               <a:rPr lang="ko-KR" altLang="en-US" dirty="0">
                 <a:latin typeface="+mn-lt"/>
                 <a:ea typeface="+mj-ea"/>
               </a:rPr>
-              <a:t>테스트 서버에서 진행 하며</a:t>
+              <a:t>그림과 같이 정보를 </a:t>
+            </a:r>
+            <a:r>
+              <a:rPr lang="ko-KR" altLang="en-US">
+                <a:latin typeface="+mn-lt"/>
+                <a:ea typeface="+mj-ea"/>
+              </a:rPr>
+              <a:t>입력한다 </a:t>
+            </a:r>
+            <a:r>
+              <a:rPr lang="en-US" altLang="ko-KR">
+                <a:latin typeface="+mn-lt"/>
+                <a:ea typeface="+mj-ea"/>
+              </a:rPr>
+              <a:t>Database : northwind , UserName : dba Password</a:t>
+            </a:r>
+            <a:r>
+              <a:rPr lang="ko-KR" altLang="en-US">
+                <a:latin typeface="+mn-lt"/>
+                <a:ea typeface="+mj-ea"/>
+              </a:rPr>
+              <a:t> </a:t>
+            </a:r>
+            <a:r>
+              <a:rPr lang="en-US" altLang="ko-KR">
+                <a:latin typeface="+mn-lt"/>
+                <a:ea typeface="+mj-ea"/>
+              </a:rPr>
+              <a:t>:</a:t>
+            </a:r>
+            <a:r>
+              <a:rPr lang="ko-KR" altLang="en-US">
+                <a:latin typeface="+mn-lt"/>
+                <a:ea typeface="+mj-ea"/>
+              </a:rPr>
+              <a:t> 없음</a:t>
+            </a:r>
+            <a:r>
+              <a:rPr lang="en-US" altLang="ko-KR">
+                <a:latin typeface="+mn-lt"/>
+                <a:ea typeface="+mj-ea"/>
+              </a:rPr>
+              <a:t> </a:t>
             </a:r>
             <a:r>
               <a:rPr lang="en-US" altLang="ko-KR" dirty="0">
                 <a:latin typeface="+mn-lt"/>
                 <a:ea typeface="+mj-ea"/>
               </a:rPr>
-              <a:t>, </a:t>
-            </a:r>
-            <a:r>
-              <a:rPr lang="ko-KR" altLang="en-US" dirty="0">
-                <a:latin typeface="+mn-lt"/>
-                <a:ea typeface="+mj-ea"/>
-              </a:rPr>
-              <a:t>그림과 같이 정보를 입력한다 </a:t>
-            </a:r>
-            <a:r>
-              <a:rPr lang="en-US" altLang="ko-KR" dirty="0">
-                <a:latin typeface="+mn-lt"/>
-                <a:ea typeface="+mj-ea"/>
-              </a:rPr>
-              <a:t>Password</a:t>
-            </a:r>
-            <a:r>
-              <a:rPr lang="ko-KR" altLang="en-US" dirty="0">
-                <a:latin typeface="+mn-lt"/>
-                <a:ea typeface="+mj-ea"/>
-              </a:rPr>
-              <a:t>는 </a:t>
-            </a:r>
-            <a:r>
-              <a:rPr lang="en-US" altLang="ko-KR" dirty="0">
-                <a:latin typeface="+mn-lt"/>
-                <a:ea typeface="+mj-ea"/>
-              </a:rPr>
-              <a:t>neo4j4j -&gt; </a:t>
+              <a:t>-&gt; </a:t>
             </a:r>
             <a:r>
               <a:rPr lang="en-US" altLang="ko-KR" dirty="0" err="1">
@@ -5929,7 +5981,14 @@
                 <a:latin typeface="+mn-lt"/>
                 <a:ea typeface="+mj-ea"/>
               </a:rPr>
-              <a:t>1. Create Connection</a:t>
+              <a:t>1. </a:t>
+            </a:r>
+            <a:r>
+              <a:rPr lang="en-US" altLang="ko-KR">
+                <a:latin typeface="+mn-lt"/>
+                <a:ea typeface="+mj-ea"/>
+              </a:rPr>
+              <a:t>Create Connection (TurboGraph++)</a:t>
             </a:r>
             <a:endParaRPr lang="ko-KR" altLang="en-US" sz="1400" dirty="0">
               <a:latin typeface="+mn-lt"/>
@@ -6113,10 +6172,40 @@
           </a:fontRef>
         </p:style>
       </p:cxnSp>
+      <p:pic>
+        <p:nvPicPr>
+          <p:cNvPr id="3" name="그림 2">
+            <a:extLst>
+              <a:ext uri="{FF2B5EF4-FFF2-40B4-BE49-F238E27FC236}">
+                <a16:creationId xmlns:a16="http://schemas.microsoft.com/office/drawing/2014/main" id="{D0B24B6E-4753-730C-8A0F-00F8E4D3924E}"/>
+              </a:ext>
+            </a:extLst>
+          </p:cNvPr>
+          <p:cNvPicPr>
+            <a:picLocks noChangeAspect="1"/>
+          </p:cNvPicPr>
+          <p:nvPr/>
+        </p:nvPicPr>
+        <p:blipFill>
+          <a:blip r:embed="rId3"/>
+          <a:stretch>
+            <a:fillRect/>
+          </a:stretch>
+        </p:blipFill>
+        <p:spPr>
+          <a:xfrm>
+            <a:off x="551630" y="2564904"/>
+            <a:ext cx="3608017" cy="3312367"/>
+          </a:xfrm>
+          <a:prstGeom prst="rect">
+            <a:avLst/>
+          </a:prstGeom>
+        </p:spPr>
+      </p:pic>
     </p:spTree>
     <p:extLst>
       <p:ext uri="{BB962C8B-B14F-4D97-AF65-F5344CB8AC3E}">
-        <p14:creationId xmlns:p14="http://schemas.microsoft.com/office/powerpoint/2010/main" val="1075698890"/>
+        <p14:creationId xmlns:p14="http://schemas.microsoft.com/office/powerpoint/2010/main" val="2703797809"/>
       </p:ext>
     </p:extLst>
   </p:cSld>
@@ -6143,6 +6232,36 @@
           <a:chExt cx="0" cy="0"/>
         </a:xfrm>
       </p:grpSpPr>
+      <p:pic>
+        <p:nvPicPr>
+          <p:cNvPr id="11" name="그림 10">
+            <a:extLst>
+              <a:ext uri="{FF2B5EF4-FFF2-40B4-BE49-F238E27FC236}">
+                <a16:creationId xmlns:a16="http://schemas.microsoft.com/office/drawing/2014/main" id="{2829BC5E-D559-CF8C-9348-77FF6C9F2AAA}"/>
+              </a:ext>
+            </a:extLst>
+          </p:cNvPr>
+          <p:cNvPicPr>
+            <a:picLocks noChangeAspect="1"/>
+          </p:cNvPicPr>
+          <p:nvPr/>
+        </p:nvPicPr>
+        <p:blipFill>
+          <a:blip r:embed="rId2"/>
+          <a:stretch>
+            <a:fillRect/>
+          </a:stretch>
+        </p:blipFill>
+        <p:spPr>
+          <a:xfrm>
+            <a:off x="4872212" y="2852936"/>
+            <a:ext cx="3444204" cy="1689354"/>
+          </a:xfrm>
+          <a:prstGeom prst="rect">
+            <a:avLst/>
+          </a:prstGeom>
+        </p:spPr>
+      </p:pic>
       <p:sp>
         <p:nvSpPr>
           <p:cNvPr id="49156" name="내용 개체 틀 4"/>
@@ -6360,17 +6479,37 @@
                 <a:latin typeface="+mn-lt"/>
                 <a:ea typeface="+mj-ea"/>
               </a:rPr>
-              <a:t>연결 탐색기에 </a:t>
-            </a:r>
-            <a:r>
-              <a:rPr lang="en-US" altLang="ko-KR" dirty="0" err="1">
+              <a:t>연결 </a:t>
+            </a:r>
+            <a:r>
+              <a:rPr lang="ko-KR" altLang="en-US">
                 <a:solidFill>
                   <a:schemeClr val="tx2"/>
                 </a:solidFill>
                 <a:latin typeface="+mn-lt"/>
                 <a:ea typeface="+mj-ea"/>
               </a:rPr>
-              <a:t>testdb</a:t>
+              <a:t>탐색기에 </a:t>
+            </a:r>
+            <a:r>
+              <a:rPr lang="en-US" altLang="ko-KR">
+                <a:solidFill>
+                  <a:schemeClr val="tx2"/>
+                </a:solidFill>
+                <a:latin typeface="+mn-lt"/>
+                <a:ea typeface="+mj-ea"/>
+              </a:rPr>
+              <a:t>demodb</a:t>
+            </a:r>
+            <a:r>
+              <a:rPr lang="ko-KR" altLang="en-US">
+                <a:solidFill>
+                  <a:schemeClr val="tx2"/>
+                </a:solidFill>
+                <a:latin typeface="+mn-lt"/>
+                <a:ea typeface="+mj-ea"/>
+              </a:rPr>
+              <a:t>가 </a:t>
             </a:r>
             <a:r>
               <a:rPr lang="ko-KR" altLang="en-US" dirty="0">
@@ -6380,7 +6519,7 @@
                 <a:latin typeface="+mn-lt"/>
                 <a:ea typeface="+mj-ea"/>
               </a:rPr>
-              <a:t>가 정상적으로 표시되었는지 확인 합니다</a:t>
+              <a:t>정상적으로 표시되었는지 확인 합니다</a:t>
             </a:r>
             <a:r>
               <a:rPr lang="en-US" altLang="ko-KR" dirty="0">
@@ -6440,9 +6579,16 @@
                 <a:latin typeface="+mn-lt"/>
                 <a:ea typeface="+mj-ea"/>
               </a:rPr>
-              <a:t>1. Create Connection</a:t>
-            </a:r>
-            <a:endParaRPr lang="ko-KR" altLang="en-US" sz="1400" dirty="0">
+              <a:t>1. </a:t>
+            </a:r>
+            <a:r>
+              <a:rPr lang="en-US" altLang="ko-KR">
+                <a:latin typeface="+mn-lt"/>
+                <a:ea typeface="+mj-ea"/>
+              </a:rPr>
+              <a:t>Create Connection (TurboGraph++)</a:t>
+            </a:r>
+            <a:endParaRPr lang="ko-KR" altLang="en-US" dirty="0">
               <a:latin typeface="+mn-lt"/>
               <a:ea typeface="+mj-ea"/>
             </a:endParaRPr>
@@ -6488,96 +6634,6 @@
           </a:fontRef>
         </p:style>
       </p:cxnSp>
-      <p:pic>
-        <p:nvPicPr>
-          <p:cNvPr id="2" name="그림 1">
-            <a:extLst>
-              <a:ext uri="{FF2B5EF4-FFF2-40B4-BE49-F238E27FC236}">
-                <a16:creationId xmlns:a16="http://schemas.microsoft.com/office/drawing/2014/main" id="{6BB194B8-8910-C380-4985-047AC8517879}"/>
-              </a:ext>
-            </a:extLst>
-          </p:cNvPr>
-          <p:cNvPicPr>
-            <a:picLocks noChangeAspect="1"/>
-          </p:cNvPicPr>
-          <p:nvPr/>
-        </p:nvPicPr>
-        <p:blipFill>
-          <a:blip r:embed="rId2"/>
-          <a:stretch>
-            <a:fillRect/>
-          </a:stretch>
-        </p:blipFill>
-        <p:spPr>
-          <a:xfrm>
-            <a:off x="827584" y="4941168"/>
-            <a:ext cx="2952328" cy="1351065"/>
-          </a:xfrm>
-          <a:prstGeom prst="rect">
-            <a:avLst/>
-          </a:prstGeom>
-        </p:spPr>
-      </p:pic>
-      <p:pic>
-        <p:nvPicPr>
-          <p:cNvPr id="4" name="그림 3">
-            <a:extLst>
-              <a:ext uri="{FF2B5EF4-FFF2-40B4-BE49-F238E27FC236}">
-                <a16:creationId xmlns:a16="http://schemas.microsoft.com/office/drawing/2014/main" id="{A0C3DD89-4030-4156-5FB6-3859B2D11958}"/>
-              </a:ext>
-            </a:extLst>
-          </p:cNvPr>
-          <p:cNvPicPr>
-            <a:picLocks noChangeAspect="1"/>
-          </p:cNvPicPr>
-          <p:nvPr/>
-        </p:nvPicPr>
-        <p:blipFill>
-          <a:blip r:embed="rId3"/>
-          <a:stretch>
-            <a:fillRect/>
-          </a:stretch>
-        </p:blipFill>
-        <p:spPr>
-          <a:xfrm>
-            <a:off x="721027" y="2276872"/>
-            <a:ext cx="3165441" cy="2522825"/>
-          </a:xfrm>
-          <a:prstGeom prst="rect">
-            <a:avLst/>
-          </a:prstGeom>
-        </p:spPr>
-      </p:pic>
-      <p:pic>
-        <p:nvPicPr>
-          <p:cNvPr id="8" name="그림 7">
-            <a:extLst>
-              <a:ext uri="{FF2B5EF4-FFF2-40B4-BE49-F238E27FC236}">
-                <a16:creationId xmlns:a16="http://schemas.microsoft.com/office/drawing/2014/main" id="{EB2B5A2A-B2D0-14F5-4B0A-5E5C05E07866}"/>
-              </a:ext>
-            </a:extLst>
-          </p:cNvPr>
-          <p:cNvPicPr>
-            <a:picLocks noChangeAspect="1"/>
-          </p:cNvPicPr>
-          <p:nvPr/>
-        </p:nvPicPr>
-        <p:blipFill>
-          <a:blip r:embed="rId4"/>
-          <a:stretch>
-            <a:fillRect/>
-          </a:stretch>
-        </p:blipFill>
-        <p:spPr>
-          <a:xfrm>
-            <a:off x="5201220" y="2807568"/>
-            <a:ext cx="3000375" cy="2133600"/>
-          </a:xfrm>
-          <a:prstGeom prst="rect">
-            <a:avLst/>
-          </a:prstGeom>
-        </p:spPr>
-      </p:pic>
       <p:sp>
         <p:nvSpPr>
           <p:cNvPr id="9" name="타원 8">
@@ -6775,6 +6831,66 @@
           </a:p>
         </p:txBody>
       </p:sp>
+      <p:pic>
+        <p:nvPicPr>
+          <p:cNvPr id="5" name="그림 4">
+            <a:extLst>
+              <a:ext uri="{FF2B5EF4-FFF2-40B4-BE49-F238E27FC236}">
+                <a16:creationId xmlns:a16="http://schemas.microsoft.com/office/drawing/2014/main" id="{1D34D3B0-322F-1DAD-BBEE-1CF2057213FB}"/>
+              </a:ext>
+            </a:extLst>
+          </p:cNvPr>
+          <p:cNvPicPr>
+            <a:picLocks noChangeAspect="1"/>
+          </p:cNvPicPr>
+          <p:nvPr/>
+        </p:nvPicPr>
+        <p:blipFill>
+          <a:blip r:embed="rId3"/>
+          <a:stretch>
+            <a:fillRect/>
+          </a:stretch>
+        </p:blipFill>
+        <p:spPr>
+          <a:xfrm>
+            <a:off x="827584" y="2103370"/>
+            <a:ext cx="2623917" cy="2685553"/>
+          </a:xfrm>
+          <a:prstGeom prst="rect">
+            <a:avLst/>
+          </a:prstGeom>
+        </p:spPr>
+      </p:pic>
+      <p:pic>
+        <p:nvPicPr>
+          <p:cNvPr id="7" name="그림 6">
+            <a:extLst>
+              <a:ext uri="{FF2B5EF4-FFF2-40B4-BE49-F238E27FC236}">
+                <a16:creationId xmlns:a16="http://schemas.microsoft.com/office/drawing/2014/main" id="{51F4CA57-6416-8151-EA04-DF64308785DF}"/>
+              </a:ext>
+            </a:extLst>
+          </p:cNvPr>
+          <p:cNvPicPr>
+            <a:picLocks noChangeAspect="1"/>
+          </p:cNvPicPr>
+          <p:nvPr/>
+        </p:nvPicPr>
+        <p:blipFill>
+          <a:blip r:embed="rId4"/>
+          <a:stretch>
+            <a:fillRect/>
+          </a:stretch>
+        </p:blipFill>
+        <p:spPr>
+          <a:xfrm>
+            <a:off x="827584" y="5060795"/>
+            <a:ext cx="2475449" cy="1353400"/>
+          </a:xfrm>
+          <a:prstGeom prst="rect">
+            <a:avLst/>
+          </a:prstGeom>
+        </p:spPr>
+      </p:pic>
     </p:spTree>
     <p:extLst>
       <p:ext uri="{BB962C8B-B14F-4D97-AF65-F5344CB8AC3E}">
@@ -6805,6 +6921,96 @@
           <a:chExt cx="0" cy="0"/>
         </a:xfrm>
       </p:grpSpPr>
+      <p:pic>
+        <p:nvPicPr>
+          <p:cNvPr id="20" name="그림 19">
+            <a:extLst>
+              <a:ext uri="{FF2B5EF4-FFF2-40B4-BE49-F238E27FC236}">
+                <a16:creationId xmlns:a16="http://schemas.microsoft.com/office/drawing/2014/main" id="{29E56487-3068-069D-B570-81C6F0EFB8F6}"/>
+              </a:ext>
+            </a:extLst>
+          </p:cNvPr>
+          <p:cNvPicPr>
+            <a:picLocks noChangeAspect="1"/>
+          </p:cNvPicPr>
+          <p:nvPr/>
+        </p:nvPicPr>
+        <p:blipFill>
+          <a:blip r:embed="rId2"/>
+          <a:stretch>
+            <a:fillRect/>
+          </a:stretch>
+        </p:blipFill>
+        <p:spPr>
+          <a:xfrm>
+            <a:off x="5046495" y="1866129"/>
+            <a:ext cx="2651741" cy="3939130"/>
+          </a:xfrm>
+          <a:prstGeom prst="rect">
+            <a:avLst/>
+          </a:prstGeom>
+        </p:spPr>
+      </p:pic>
+      <p:pic>
+        <p:nvPicPr>
+          <p:cNvPr id="15" name="그림 14">
+            <a:extLst>
+              <a:ext uri="{FF2B5EF4-FFF2-40B4-BE49-F238E27FC236}">
+                <a16:creationId xmlns:a16="http://schemas.microsoft.com/office/drawing/2014/main" id="{378F7B2C-6CA1-E1FF-07B4-88BC521D1214}"/>
+              </a:ext>
+            </a:extLst>
+          </p:cNvPr>
+          <p:cNvPicPr>
+            <a:picLocks noChangeAspect="1"/>
+          </p:cNvPicPr>
+          <p:nvPr/>
+        </p:nvPicPr>
+        <p:blipFill>
+          <a:blip r:embed="rId3"/>
+          <a:stretch>
+            <a:fillRect/>
+          </a:stretch>
+        </p:blipFill>
+        <p:spPr>
+          <a:xfrm>
+            <a:off x="882588" y="4031533"/>
+            <a:ext cx="2998454" cy="1485699"/>
+          </a:xfrm>
+          <a:prstGeom prst="rect">
+            <a:avLst/>
+          </a:prstGeom>
+        </p:spPr>
+      </p:pic>
+      <p:pic>
+        <p:nvPicPr>
+          <p:cNvPr id="12" name="그림 11">
+            <a:extLst>
+              <a:ext uri="{FF2B5EF4-FFF2-40B4-BE49-F238E27FC236}">
+                <a16:creationId xmlns:a16="http://schemas.microsoft.com/office/drawing/2014/main" id="{9791515B-EF92-595A-EBB7-9F4D19CC0A52}"/>
+              </a:ext>
+            </a:extLst>
+          </p:cNvPr>
+          <p:cNvPicPr>
+            <a:picLocks noChangeAspect="1"/>
+          </p:cNvPicPr>
+          <p:nvPr/>
+        </p:nvPicPr>
+        <p:blipFill>
+          <a:blip r:embed="rId4"/>
+          <a:stretch>
+            <a:fillRect/>
+          </a:stretch>
+        </p:blipFill>
+        <p:spPr>
+          <a:xfrm>
+            <a:off x="899592" y="2173258"/>
+            <a:ext cx="2998454" cy="1570243"/>
+          </a:xfrm>
+          <a:prstGeom prst="rect">
+            <a:avLst/>
+          </a:prstGeom>
+        </p:spPr>
+      </p:pic>
       <p:sp>
         <p:nvSpPr>
           <p:cNvPr id="49156" name="내용 개체 틀 4"/>
@@ -6979,23 +7185,17 @@
           <a:lstStyle/>
           <a:p>
             <a:r>
-              <a:rPr lang="en-US" altLang="ko-KR" dirty="0">
+              <a:rPr lang="en-US" altLang="ko-KR">
                 <a:latin typeface="+mn-lt"/>
                 <a:ea typeface="+mj-ea"/>
               </a:rPr>
               <a:t>2. </a:t>
             </a:r>
             <a:r>
-              <a:rPr lang="en-US" altLang="ko-KR" dirty="0" err="1">
-                <a:latin typeface="+mn-lt"/>
-              </a:rPr>
-              <a:t>testdb</a:t>
-            </a:r>
-            <a:r>
-              <a:rPr lang="en-US" altLang="ko-KR" dirty="0">
-                <a:latin typeface="+mn-lt"/>
-              </a:rPr>
-              <a:t> </a:t>
+              <a:rPr lang="en-US" altLang="ko-KR">
+                <a:latin typeface="+mn-lt"/>
+              </a:rPr>
+              <a:t>demodb </a:t>
             </a:r>
             <a:r>
               <a:rPr lang="ko-KR" altLang="en-US" dirty="0">
@@ -7010,66 +7210,6 @@
           </a:p>
         </p:txBody>
       </p:sp>
-      <p:pic>
-        <p:nvPicPr>
-          <p:cNvPr id="5" name="그림 4">
-            <a:extLst>
-              <a:ext uri="{FF2B5EF4-FFF2-40B4-BE49-F238E27FC236}">
-                <a16:creationId xmlns:a16="http://schemas.microsoft.com/office/drawing/2014/main" id="{13C52F47-8ACD-9058-510B-2D80EA81DE07}"/>
-              </a:ext>
-            </a:extLst>
-          </p:cNvPr>
-          <p:cNvPicPr>
-            <a:picLocks noChangeAspect="1"/>
-          </p:cNvPicPr>
-          <p:nvPr/>
-        </p:nvPicPr>
-        <p:blipFill>
-          <a:blip r:embed="rId2"/>
-          <a:stretch>
-            <a:fillRect/>
-          </a:stretch>
-        </p:blipFill>
-        <p:spPr>
-          <a:xfrm>
-            <a:off x="5191842" y="2132856"/>
-            <a:ext cx="1900438" cy="3812753"/>
-          </a:xfrm>
-          <a:prstGeom prst="rect">
-            <a:avLst/>
-          </a:prstGeom>
-        </p:spPr>
-      </p:pic>
-      <p:pic>
-        <p:nvPicPr>
-          <p:cNvPr id="7" name="그림 6">
-            <a:extLst>
-              <a:ext uri="{FF2B5EF4-FFF2-40B4-BE49-F238E27FC236}">
-                <a16:creationId xmlns:a16="http://schemas.microsoft.com/office/drawing/2014/main" id="{EBEA81A4-AFCB-E012-2A2F-CCDD97B6D0CA}"/>
-              </a:ext>
-            </a:extLst>
-          </p:cNvPr>
-          <p:cNvPicPr>
-            <a:picLocks noChangeAspect="1"/>
-          </p:cNvPicPr>
-          <p:nvPr/>
-        </p:nvPicPr>
-        <p:blipFill>
-          <a:blip r:embed="rId3"/>
-          <a:stretch>
-            <a:fillRect/>
-          </a:stretch>
-        </p:blipFill>
-        <p:spPr>
-          <a:xfrm>
-            <a:off x="1187623" y="2267073"/>
-            <a:ext cx="2664297" cy="1476394"/>
-          </a:xfrm>
-          <a:prstGeom prst="rect">
-            <a:avLst/>
-          </a:prstGeom>
-        </p:spPr>
-      </p:pic>
       <p:sp>
         <p:nvSpPr>
           <p:cNvPr id="10" name="타원 9">
@@ -7084,7 +7224,7 @@
         </p:nvSpPr>
         <p:spPr>
           <a:xfrm>
-            <a:off x="1153757" y="2869369"/>
+            <a:off x="910644" y="2758788"/>
             <a:ext cx="216024" cy="199591"/>
           </a:xfrm>
           <a:prstGeom prst="ellipse">
@@ -7122,36 +7262,6 @@
           </a:p>
         </p:txBody>
       </p:sp>
-      <p:pic>
-        <p:nvPicPr>
-          <p:cNvPr id="13" name="그림 12">
-            <a:extLst>
-              <a:ext uri="{FF2B5EF4-FFF2-40B4-BE49-F238E27FC236}">
-                <a16:creationId xmlns:a16="http://schemas.microsoft.com/office/drawing/2014/main" id="{40ABEEE5-2909-2C6C-B336-B66BC75819F1}"/>
-              </a:ext>
-            </a:extLst>
-          </p:cNvPr>
-          <p:cNvPicPr>
-            <a:picLocks noChangeAspect="1"/>
-          </p:cNvPicPr>
-          <p:nvPr/>
-        </p:nvPicPr>
-        <p:blipFill>
-          <a:blip r:embed="rId4"/>
-          <a:stretch>
-            <a:fillRect/>
-          </a:stretch>
-        </p:blipFill>
-        <p:spPr>
-          <a:xfrm>
-            <a:off x="1187624" y="4154317"/>
-            <a:ext cx="2409927" cy="1924050"/>
-          </a:xfrm>
-          <a:prstGeom prst="rect">
-            <a:avLst/>
-          </a:prstGeom>
-        </p:spPr>
-      </p:pic>
       <p:sp>
         <p:nvSpPr>
           <p:cNvPr id="16" name="타원 15">
@@ -7166,7 +7276,7 @@
         </p:nvSpPr>
         <p:spPr>
           <a:xfrm>
-            <a:off x="1276728" y="4971390"/>
+            <a:off x="1018656" y="4805448"/>
             <a:ext cx="216024" cy="199591"/>
           </a:xfrm>
           <a:prstGeom prst="ellipse">
@@ -7257,7 +7367,7 @@
         </p:nvSpPr>
         <p:spPr>
           <a:xfrm>
-            <a:off x="6300192" y="4467334"/>
+            <a:off x="6732240" y="4301392"/>
             <a:ext cx="1131282" cy="504056"/>
           </a:xfrm>
           <a:prstGeom prst="ellipse">
@@ -7334,6 +7444,36 @@
           <a:chExt cx="0" cy="0"/>
         </a:xfrm>
       </p:grpSpPr>
+      <p:pic>
+        <p:nvPicPr>
+          <p:cNvPr id="8" name="그림 7">
+            <a:extLst>
+              <a:ext uri="{FF2B5EF4-FFF2-40B4-BE49-F238E27FC236}">
+                <a16:creationId xmlns:a16="http://schemas.microsoft.com/office/drawing/2014/main" id="{93B62EAB-A31B-CE4D-55E3-830F282374D0}"/>
+              </a:ext>
+            </a:extLst>
+          </p:cNvPr>
+          <p:cNvPicPr>
+            <a:picLocks noChangeAspect="1"/>
+          </p:cNvPicPr>
+          <p:nvPr/>
+        </p:nvPicPr>
+        <p:blipFill>
+          <a:blip r:embed="rId2"/>
+          <a:stretch>
+            <a:fillRect/>
+          </a:stretch>
+        </p:blipFill>
+        <p:spPr>
+          <a:xfrm>
+            <a:off x="4266381" y="3068960"/>
+            <a:ext cx="4165876" cy="2505501"/>
+          </a:xfrm>
+          <a:prstGeom prst="rect">
+            <a:avLst/>
+          </a:prstGeom>
+        </p:spPr>
+      </p:pic>
       <p:sp>
         <p:nvSpPr>
           <p:cNvPr id="49156" name="내용 개체 틀 4"/>
@@ -7473,49 +7613,63 @@
                 <a:latin typeface="+mn-lt"/>
                 <a:ea typeface="+mj-ea"/>
               </a:rPr>
-              <a:t>빨간 동그라미에 </a:t>
-            </a:r>
-            <a:r>
-              <a:rPr lang="en-US" altLang="ko-KR" dirty="0" err="1">
+              <a:t>빨간 </a:t>
+            </a:r>
+            <a:r>
+              <a:rPr lang="ko-KR" altLang="en-US">
+                <a:latin typeface="+mn-lt"/>
+                <a:ea typeface="+mj-ea"/>
+              </a:rPr>
+              <a:t>동그라미에 </a:t>
+            </a:r>
+            <a:r>
+              <a:rPr lang="en-US" altLang="ko-KR">
                 <a:latin typeface="+mn-lt"/>
                 <a:ea typeface="+mj-ea"/>
               </a:rPr>
               <a:t>testdb</a:t>
             </a:r>
             <a:r>
+              <a:rPr lang="ko-KR" altLang="en-US">
+                <a:latin typeface="+mn-lt"/>
+                <a:ea typeface="+mj-ea"/>
+              </a:rPr>
+              <a:t> </a:t>
+            </a:r>
+            <a:r>
+              <a:rPr lang="en-US" altLang="ko-KR">
+                <a:latin typeface="+mn-lt"/>
+                <a:ea typeface="+mj-ea"/>
+              </a:rPr>
+              <a:t>-&gt;</a:t>
+            </a:r>
+            <a:r>
+              <a:rPr lang="ko-KR" altLang="en-US">
+                <a:latin typeface="+mn-lt"/>
+                <a:ea typeface="+mj-ea"/>
+              </a:rPr>
+              <a:t> </a:t>
+            </a:r>
+            <a:r>
+              <a:rPr lang="en-US" altLang="ko-KR">
+                <a:latin typeface="+mn-lt"/>
+                <a:ea typeface="+mj-ea"/>
+              </a:rPr>
+              <a:t>northwind</a:t>
+            </a:r>
+            <a:r>
+              <a:rPr lang="ko-KR" altLang="en-US">
+                <a:latin typeface="+mn-lt"/>
+                <a:ea typeface="+mj-ea"/>
+              </a:rPr>
+              <a:t>로 </a:t>
+            </a:r>
+            <a:r>
               <a:rPr lang="ko-KR" altLang="en-US" dirty="0">
                 <a:latin typeface="+mn-lt"/>
                 <a:ea typeface="+mj-ea"/>
               </a:rPr>
-              <a:t> </a:t>
-            </a:r>
-            <a:r>
-              <a:rPr lang="en-US" altLang="ko-KR" dirty="0">
-                <a:latin typeface="+mn-lt"/>
-                <a:ea typeface="+mj-ea"/>
-              </a:rPr>
-              <a:t>-&gt;</a:t>
-            </a:r>
-            <a:r>
-              <a:rPr lang="ko-KR" altLang="en-US" dirty="0">
-                <a:latin typeface="+mn-lt"/>
-                <a:ea typeface="+mj-ea"/>
-              </a:rPr>
-              <a:t> </a:t>
-            </a:r>
-            <a:r>
-              <a:rPr lang="en-US" altLang="ko-KR" dirty="0">
-                <a:latin typeface="+mn-lt"/>
-                <a:ea typeface="+mj-ea"/>
-              </a:rPr>
-              <a:t>neo4j</a:t>
-            </a:r>
-            <a:r>
-              <a:rPr lang="ko-KR" altLang="en-US" dirty="0">
-                <a:latin typeface="+mn-lt"/>
-                <a:ea typeface="+mj-ea"/>
-              </a:rPr>
-              <a:t>로 변경 </a:t>
+              <a:t>변경 </a:t>
             </a:r>
             <a:r>
               <a:rPr lang="en-US" altLang="ko-KR" dirty="0">
@@ -7531,40 +7685,37 @@
               <a:buChar char="-"/>
             </a:pPr>
             <a:r>
+              <a:rPr lang="en-US" altLang="ko-KR">
+                <a:latin typeface="+mn-lt"/>
+                <a:ea typeface="+mj-ea"/>
+              </a:rPr>
+              <a:t>Connection </a:t>
+            </a:r>
+            <a:r>
+              <a:rPr lang="ko-KR" altLang="en-US" dirty="0">
+                <a:latin typeface="+mn-lt"/>
+                <a:ea typeface="+mj-ea"/>
+              </a:rPr>
+              <a:t>결과는 다음 페이지에서 하위 노드를 확인 함으로써 </a:t>
+            </a:r>
+            <a:r>
               <a:rPr lang="en-US" altLang="ko-KR" dirty="0">
                 <a:latin typeface="+mn-lt"/>
                 <a:ea typeface="+mj-ea"/>
               </a:rPr>
-              <a:t>Connection </a:t>
-            </a:r>
-            <a:r>
-              <a:rPr lang="ko-KR" altLang="en-US" dirty="0">
-                <a:latin typeface="+mn-lt"/>
-                <a:ea typeface="+mj-ea"/>
-              </a:rPr>
-              <a:t>결과는 다음 페이지에서 하위 노드를 확인 함으로써 </a:t>
-            </a:r>
-            <a:r>
-              <a:rPr lang="en-US" altLang="ko-KR" dirty="0">
-                <a:latin typeface="+mn-lt"/>
-                <a:ea typeface="+mj-ea"/>
-              </a:rPr>
               <a:t>Connection</a:t>
             </a:r>
             <a:r>
-              <a:rPr lang="ko-KR" altLang="en-US" dirty="0">
+              <a:rPr lang="ko-KR" altLang="en-US">
                 <a:latin typeface="+mn-lt"/>
                 <a:ea typeface="+mj-ea"/>
               </a:rPr>
               <a:t>을 확인한다</a:t>
             </a:r>
-            <a:r>
-              <a:rPr lang="en-US" altLang="ko-KR" dirty="0">
-                <a:latin typeface="+mn-lt"/>
-                <a:ea typeface="+mj-ea"/>
-              </a:rPr>
-              <a:t>.</a:t>
-            </a:r>
+            <a:endParaRPr lang="en-US" altLang="ko-KR">
+              <a:latin typeface="+mn-lt"/>
+              <a:ea typeface="+mj-ea"/>
+            </a:endParaRPr>
           </a:p>
         </p:txBody>
       </p:sp>
@@ -7622,66 +7773,6 @@
           </a:p>
         </p:txBody>
       </p:sp>
-      <p:pic>
-        <p:nvPicPr>
-          <p:cNvPr id="3" name="그림 2">
-            <a:extLst>
-              <a:ext uri="{FF2B5EF4-FFF2-40B4-BE49-F238E27FC236}">
-                <a16:creationId xmlns:a16="http://schemas.microsoft.com/office/drawing/2014/main" id="{92139099-9CE7-FA14-6F2F-0552CFD6943B}"/>
-              </a:ext>
-            </a:extLst>
-          </p:cNvPr>
-          <p:cNvPicPr>
-            <a:picLocks noChangeAspect="1"/>
-          </p:cNvPicPr>
-          <p:nvPr/>
-        </p:nvPicPr>
-        <p:blipFill>
-          <a:blip r:embed="rId2"/>
-          <a:stretch>
-            <a:fillRect/>
-          </a:stretch>
-        </p:blipFill>
-        <p:spPr>
-          <a:xfrm>
-            <a:off x="683568" y="2154907"/>
-            <a:ext cx="2967854" cy="3650357"/>
-          </a:xfrm>
-          <a:prstGeom prst="rect">
-            <a:avLst/>
-          </a:prstGeom>
-        </p:spPr>
-      </p:pic>
-      <p:pic>
-        <p:nvPicPr>
-          <p:cNvPr id="12" name="그림 11">
-            <a:extLst>
-              <a:ext uri="{FF2B5EF4-FFF2-40B4-BE49-F238E27FC236}">
-                <a16:creationId xmlns:a16="http://schemas.microsoft.com/office/drawing/2014/main" id="{7A92FEF3-AC25-4C44-859B-8730CCA3082D}"/>
-              </a:ext>
-            </a:extLst>
-          </p:cNvPr>
-          <p:cNvPicPr>
-            <a:picLocks noChangeAspect="1"/>
-          </p:cNvPicPr>
-          <p:nvPr/>
-        </p:nvPicPr>
-        <p:blipFill>
-          <a:blip r:embed="rId3"/>
-          <a:stretch>
-            <a:fillRect/>
-          </a:stretch>
-        </p:blipFill>
-        <p:spPr>
-          <a:xfrm>
-            <a:off x="4320732" y="2492896"/>
-            <a:ext cx="4104456" cy="2993015"/>
-          </a:xfrm>
-          <a:prstGeom prst="rect">
-            <a:avLst/>
-          </a:prstGeom>
-        </p:spPr>
-      </p:pic>
       <p:sp>
         <p:nvSpPr>
           <p:cNvPr id="14" name="타원 13">
@@ -7696,7 +7787,7 @@
         </p:nvSpPr>
         <p:spPr>
           <a:xfrm>
-            <a:off x="6264948" y="3789929"/>
+            <a:off x="5916995" y="4125347"/>
             <a:ext cx="395284" cy="171294"/>
           </a:xfrm>
           <a:prstGeom prst="ellipse">
@@ -7748,7 +7839,7 @@
         </p:nvSpPr>
         <p:spPr>
           <a:xfrm>
-            <a:off x="7236296" y="5229200"/>
+            <a:off x="6732240" y="5215211"/>
             <a:ext cx="216024" cy="199591"/>
           </a:xfrm>
           <a:prstGeom prst="ellipse">
@@ -7812,7 +7903,7 @@
         </p:nvSpPr>
         <p:spPr>
           <a:xfrm>
-            <a:off x="6948264" y="4725144"/>
+            <a:off x="7380312" y="4797152"/>
             <a:ext cx="216024" cy="199591"/>
           </a:xfrm>
           <a:prstGeom prst="ellipse">
@@ -7876,7 +7967,7 @@
         </p:nvCxnSpPr>
         <p:spPr>
           <a:xfrm>
-            <a:off x="3707904" y="3961223"/>
+            <a:off x="3707904" y="4465279"/>
             <a:ext cx="504056" cy="0"/>
           </a:xfrm>
           <a:prstGeom prst="straightConnector1">
@@ -7901,6 +7992,36 @@
           </a:fontRef>
         </p:style>
       </p:cxnSp>
+      <p:pic>
+        <p:nvPicPr>
+          <p:cNvPr id="4" name="그림 3">
+            <a:extLst>
+              <a:ext uri="{FF2B5EF4-FFF2-40B4-BE49-F238E27FC236}">
+                <a16:creationId xmlns:a16="http://schemas.microsoft.com/office/drawing/2014/main" id="{C8400981-4F92-9877-D39C-FD863E403CA8}"/>
+              </a:ext>
+            </a:extLst>
+          </p:cNvPr>
+          <p:cNvPicPr>
+            <a:picLocks noChangeAspect="1"/>
+          </p:cNvPicPr>
+          <p:nvPr/>
+        </p:nvPicPr>
+        <p:blipFill>
+          <a:blip r:embed="rId3"/>
+          <a:stretch>
+            <a:fillRect/>
+          </a:stretch>
+        </p:blipFill>
+        <p:spPr>
+          <a:xfrm>
+            <a:off x="922658" y="2267034"/>
+            <a:ext cx="2656848" cy="3849291"/>
+          </a:xfrm>
+          <a:prstGeom prst="rect">
+            <a:avLst/>
+          </a:prstGeom>
+        </p:spPr>
+      </p:pic>
     </p:spTree>
     <p:extLst>
       <p:ext uri="{BB962C8B-B14F-4D97-AF65-F5344CB8AC3E}">
@@ -8109,7 +8230,14 @@
                 <a:latin typeface="+mn-lt"/>
                 <a:ea typeface="+mj-ea"/>
               </a:rPr>
-              <a:t>4. neo4j </a:t>
+              <a:t>4</a:t>
+            </a:r>
+            <a:r>
+              <a:rPr lang="en-US" altLang="ko-KR">
+                <a:latin typeface="+mn-lt"/>
+                <a:ea typeface="+mj-ea"/>
+              </a:rPr>
+              <a:t>. demodb </a:t>
             </a:r>
             <a:r>
               <a:rPr lang="ko-KR" altLang="en-US" dirty="0">
@@ -8134,10 +8262,10 @@
       </p:sp>
       <p:pic>
         <p:nvPicPr>
-          <p:cNvPr id="4" name="그림 3">
+          <p:cNvPr id="3" name="그림 2">
             <a:extLst>
               <a:ext uri="{FF2B5EF4-FFF2-40B4-BE49-F238E27FC236}">
-                <a16:creationId xmlns:a16="http://schemas.microsoft.com/office/drawing/2014/main" id="{BF9F24CD-F9F0-52D4-5CB9-61E1ADAB2308}"/>
+                <a16:creationId xmlns:a16="http://schemas.microsoft.com/office/drawing/2014/main" id="{AEA5BECB-1F81-946C-72C1-14A2749DA28E}"/>
               </a:ext>
             </a:extLst>
           </p:cNvPr>
@@ -8154,8 +8282,8 @@
         </p:blipFill>
         <p:spPr>
           <a:xfrm>
-            <a:off x="4728731" y="1897667"/>
-            <a:ext cx="2939613" cy="3907597"/>
+            <a:off x="5076056" y="1717547"/>
+            <a:ext cx="2106905" cy="4365104"/>
           </a:xfrm>
           <a:prstGeom prst="rect">
             <a:avLst/>
@@ -8164,10 +8292,10 @@
       </p:pic>
       <p:pic>
         <p:nvPicPr>
-          <p:cNvPr id="15" name="그림 14">
+          <p:cNvPr id="5" name="그림 4">
             <a:extLst>
               <a:ext uri="{FF2B5EF4-FFF2-40B4-BE49-F238E27FC236}">
-                <a16:creationId xmlns:a16="http://schemas.microsoft.com/office/drawing/2014/main" id="{CC52A218-FB8F-332F-04F0-7E3F34D37DA1}"/>
+                <a16:creationId xmlns:a16="http://schemas.microsoft.com/office/drawing/2014/main" id="{06E29D93-FA52-C150-2157-6F05B202DA24}"/>
               </a:ext>
             </a:extLst>
           </p:cNvPr>
@@ -8184,14 +8312,187 @@
         </p:blipFill>
         <p:spPr>
           <a:xfrm>
-            <a:off x="683568" y="1994934"/>
-            <a:ext cx="3657917" cy="3810330"/>
+            <a:off x="882588" y="4031533"/>
+            <a:ext cx="2998454" cy="1485699"/>
           </a:xfrm>
           <a:prstGeom prst="rect">
             <a:avLst/>
           </a:prstGeom>
         </p:spPr>
       </p:pic>
+      <p:pic>
+        <p:nvPicPr>
+          <p:cNvPr id="6" name="그림 5">
+            <a:extLst>
+              <a:ext uri="{FF2B5EF4-FFF2-40B4-BE49-F238E27FC236}">
+                <a16:creationId xmlns:a16="http://schemas.microsoft.com/office/drawing/2014/main" id="{BE0D04D2-188F-B949-39DB-8C4AF3AB66F9}"/>
+              </a:ext>
+            </a:extLst>
+          </p:cNvPr>
+          <p:cNvPicPr>
+            <a:picLocks noChangeAspect="1"/>
+          </p:cNvPicPr>
+          <p:nvPr/>
+        </p:nvPicPr>
+        <p:blipFill>
+          <a:blip r:embed="rId4"/>
+          <a:stretch>
+            <a:fillRect/>
+          </a:stretch>
+        </p:blipFill>
+        <p:spPr>
+          <a:xfrm>
+            <a:off x="899592" y="2173258"/>
+            <a:ext cx="2998454" cy="1570243"/>
+          </a:xfrm>
+          <a:prstGeom prst="rect">
+            <a:avLst/>
+          </a:prstGeom>
+        </p:spPr>
+      </p:pic>
+      <p:sp>
+        <p:nvSpPr>
+          <p:cNvPr id="7" name="타원 6">
+            <a:extLst>
+              <a:ext uri="{FF2B5EF4-FFF2-40B4-BE49-F238E27FC236}">
+                <a16:creationId xmlns:a16="http://schemas.microsoft.com/office/drawing/2014/main" id="{B4DF07E9-F20D-D1C6-3FD1-A4A9FDDBAEBE}"/>
+              </a:ext>
+            </a:extLst>
+          </p:cNvPr>
+          <p:cNvSpPr/>
+          <p:nvPr/>
+        </p:nvSpPr>
+        <p:spPr>
+          <a:xfrm>
+            <a:off x="910644" y="2758788"/>
+            <a:ext cx="216024" cy="199591"/>
+          </a:xfrm>
+          <a:prstGeom prst="ellipse">
+            <a:avLst/>
+          </a:prstGeom>
+          <a:noFill/>
+          <a:ln>
+            <a:solidFill>
+              <a:srgbClr val="C00000"/>
+            </a:solidFill>
+          </a:ln>
+        </p:spPr>
+        <p:style>
+          <a:lnRef idx="2">
+            <a:schemeClr val="accent1">
+              <a:shade val="50000"/>
+            </a:schemeClr>
+          </a:lnRef>
+          <a:fillRef idx="1">
+            <a:schemeClr val="accent1"/>
+          </a:fillRef>
+          <a:effectRef idx="0">
+            <a:schemeClr val="accent1"/>
+          </a:effectRef>
+          <a:fontRef idx="minor">
+            <a:schemeClr val="lt1"/>
+          </a:fontRef>
+        </p:style>
+        <p:txBody>
+          <a:bodyPr rtlCol="0" anchor="ctr"/>
+          <a:lstStyle/>
+          <a:p>
+            <a:pPr algn="ctr"/>
+            <a:endParaRPr lang="ko-KR" altLang="en-US"/>
+          </a:p>
+        </p:txBody>
+      </p:sp>
+      <p:sp>
+        <p:nvSpPr>
+          <p:cNvPr id="8" name="타원 7">
+            <a:extLst>
+              <a:ext uri="{FF2B5EF4-FFF2-40B4-BE49-F238E27FC236}">
+                <a16:creationId xmlns:a16="http://schemas.microsoft.com/office/drawing/2014/main" id="{28A8E5A4-63FF-07B7-2E29-3F8A9A5595FA}"/>
+              </a:ext>
+            </a:extLst>
+          </p:cNvPr>
+          <p:cNvSpPr/>
+          <p:nvPr/>
+        </p:nvSpPr>
+        <p:spPr>
+          <a:xfrm>
+            <a:off x="1018656" y="4805448"/>
+            <a:ext cx="216024" cy="199591"/>
+          </a:xfrm>
+          <a:prstGeom prst="ellipse">
+            <a:avLst/>
+          </a:prstGeom>
+          <a:noFill/>
+          <a:ln>
+            <a:solidFill>
+              <a:srgbClr val="C00000"/>
+            </a:solidFill>
+          </a:ln>
+        </p:spPr>
+        <p:style>
+          <a:lnRef idx="2">
+            <a:schemeClr val="accent1">
+              <a:shade val="50000"/>
+            </a:schemeClr>
+          </a:lnRef>
+          <a:fillRef idx="1">
+            <a:schemeClr val="accent1"/>
+          </a:fillRef>
+          <a:effectRef idx="0">
+            <a:schemeClr val="accent1"/>
+          </a:effectRef>
+          <a:fontRef idx="minor">
+            <a:schemeClr val="lt1"/>
+          </a:fontRef>
+        </p:style>
+        <p:txBody>
+          <a:bodyPr rtlCol="0" anchor="ctr"/>
+          <a:lstStyle/>
+          <a:p>
+            <a:pPr algn="ctr"/>
+            <a:endParaRPr lang="ko-KR" altLang="en-US"/>
+          </a:p>
+        </p:txBody>
+      </p:sp>
+      <p:cxnSp>
+        <p:nvCxnSpPr>
+          <p:cNvPr id="9" name="직선 화살표 연결선 8">
+            <a:extLst>
+              <a:ext uri="{FF2B5EF4-FFF2-40B4-BE49-F238E27FC236}">
+                <a16:creationId xmlns:a16="http://schemas.microsoft.com/office/drawing/2014/main" id="{99F052D7-5B02-4C44-8337-B02E1607E0B4}"/>
+              </a:ext>
+            </a:extLst>
+          </p:cNvPr>
+          <p:cNvCxnSpPr/>
+          <p:nvPr/>
+        </p:nvCxnSpPr>
+        <p:spPr>
+          <a:xfrm>
+            <a:off x="4211960" y="3933056"/>
+            <a:ext cx="504056" cy="0"/>
+          </a:xfrm>
+          <a:prstGeom prst="straightConnector1">
+            <a:avLst/>
+          </a:prstGeom>
+          <a:ln>
+            <a:tailEnd type="triangle"/>
+          </a:ln>
+        </p:spPr>
+        <p:style>
+          <a:lnRef idx="1">
+            <a:schemeClr val="accent1"/>
+          </a:lnRef>
+          <a:fillRef idx="0">
+            <a:schemeClr val="accent1"/>
+          </a:fillRef>
+          <a:effectRef idx="0">
+            <a:schemeClr val="accent1"/>
+          </a:effectRef>
+          <a:fontRef idx="minor">
+            <a:schemeClr val="tx1"/>
+          </a:fontRef>
+        </p:style>
+      </p:cxnSp>
     </p:spTree>
     <p:extLst>
       <p:ext uri="{BB962C8B-B14F-4D97-AF65-F5344CB8AC3E}">
@@ -8222,6 +8523,36 @@
           <a:chExt cx="0" cy="0"/>
         </a:xfrm>
       </p:grpSpPr>
+      <p:pic>
+        <p:nvPicPr>
+          <p:cNvPr id="9" name="그림 8">
+            <a:extLst>
+              <a:ext uri="{FF2B5EF4-FFF2-40B4-BE49-F238E27FC236}">
+                <a16:creationId xmlns:a16="http://schemas.microsoft.com/office/drawing/2014/main" id="{29947C51-8263-0CE7-CC74-37729DE8508E}"/>
+              </a:ext>
+            </a:extLst>
+          </p:cNvPr>
+          <p:cNvPicPr>
+            <a:picLocks noChangeAspect="1"/>
+          </p:cNvPicPr>
+          <p:nvPr/>
+        </p:nvPicPr>
+        <p:blipFill>
+          <a:blip r:embed="rId2"/>
+          <a:stretch>
+            <a:fillRect/>
+          </a:stretch>
+        </p:blipFill>
+        <p:spPr>
+          <a:xfrm>
+            <a:off x="5073419" y="1971005"/>
+            <a:ext cx="2216059" cy="4143322"/>
+          </a:xfrm>
+          <a:prstGeom prst="rect">
+            <a:avLst/>
+          </a:prstGeom>
+        </p:spPr>
+      </p:pic>
       <p:sp>
         <p:nvSpPr>
           <p:cNvPr id="49156" name="내용 개체 틀 4"/>
@@ -8278,21 +8609,35 @@
                 <a:latin typeface="+mn-lt"/>
                 <a:ea typeface="+mj-ea"/>
               </a:rPr>
-              <a:t>번 그림과 같이 </a:t>
-            </a:r>
-            <a:r>
-              <a:rPr lang="en-US" altLang="ko-KR" dirty="0" err="1">
-                <a:latin typeface="+mn-lt"/>
-                <a:ea typeface="+mj-ea"/>
-              </a:rPr>
-              <a:t>testdb</a:t>
+              <a:t>번 그림과 </a:t>
+            </a:r>
+            <a:r>
+              <a:rPr lang="ko-KR" altLang="en-US">
+                <a:latin typeface="+mn-lt"/>
+                <a:ea typeface="+mj-ea"/>
+              </a:rPr>
+              <a:t>같이 </a:t>
+            </a:r>
+            <a:r>
+              <a:rPr lang="en-US" altLang="ko-KR">
+                <a:latin typeface="+mn-lt"/>
+                <a:ea typeface="+mj-ea"/>
+              </a:rPr>
+              <a:t>northwind</a:t>
+            </a:r>
+            <a:r>
+              <a:rPr lang="ko-KR" altLang="en-US">
+                <a:latin typeface="+mn-lt"/>
+                <a:ea typeface="+mj-ea"/>
+              </a:rPr>
+              <a:t>를 </a:t>
             </a:r>
             <a:r>
               <a:rPr lang="ko-KR" altLang="en-US" dirty="0">
                 <a:latin typeface="+mn-lt"/>
                 <a:ea typeface="+mj-ea"/>
               </a:rPr>
-              <a:t>를 선택 후에 </a:t>
+              <a:t>선택 후에 </a:t>
             </a:r>
             <a:r>
               <a:rPr lang="en-US" altLang="ko-KR" dirty="0">
@@ -8330,35 +8675,49 @@
                 <a:latin typeface="+mn-lt"/>
                 <a:ea typeface="+mj-ea"/>
               </a:rPr>
-              <a:t>번 그림과 같이 </a:t>
-            </a:r>
-            <a:r>
-              <a:rPr lang="en-US" altLang="ko-KR" dirty="0" err="1">
-                <a:latin typeface="+mn-lt"/>
-                <a:ea typeface="+mj-ea"/>
-              </a:rPr>
-              <a:t>testdb</a:t>
+              <a:t>번 그림과 </a:t>
+            </a:r>
+            <a:r>
+              <a:rPr lang="ko-KR" altLang="en-US">
+                <a:latin typeface="+mn-lt"/>
+                <a:ea typeface="+mj-ea"/>
+              </a:rPr>
+              <a:t>같이 </a:t>
+            </a:r>
+            <a:r>
+              <a:rPr lang="en-US" altLang="ko-KR">
+                <a:latin typeface="+mn-lt"/>
+                <a:ea typeface="+mj-ea"/>
+              </a:rPr>
+              <a:t>northwind</a:t>
+            </a:r>
+            <a:r>
+              <a:rPr lang="ko-KR" altLang="en-US">
+                <a:latin typeface="+mn-lt"/>
+                <a:ea typeface="+mj-ea"/>
+              </a:rPr>
+              <a:t>를 </a:t>
+            </a:r>
+            <a:r>
+              <a:rPr lang="en-US" altLang="ko-KR">
+                <a:latin typeface="+mn-lt"/>
+                <a:ea typeface="+mj-ea"/>
+              </a:rPr>
+              <a:t>demodb</a:t>
+            </a:r>
+            <a:r>
+              <a:rPr lang="ko-KR" altLang="en-US">
+                <a:latin typeface="+mn-lt"/>
+                <a:ea typeface="+mj-ea"/>
+              </a:rPr>
+              <a:t>로 </a:t>
             </a:r>
             <a:r>
               <a:rPr lang="ko-KR" altLang="en-US" dirty="0">
                 <a:latin typeface="+mn-lt"/>
                 <a:ea typeface="+mj-ea"/>
               </a:rPr>
-              <a:t>를 </a:t>
-            </a:r>
-            <a:r>
-              <a:rPr lang="en-US" altLang="ko-KR" dirty="0">
-                <a:latin typeface="+mn-lt"/>
-                <a:ea typeface="+mj-ea"/>
-              </a:rPr>
-              <a:t>neo4j</a:t>
-            </a:r>
-            <a:r>
-              <a:rPr lang="ko-KR" altLang="en-US" dirty="0">
-                <a:latin typeface="+mn-lt"/>
-                <a:ea typeface="+mj-ea"/>
-              </a:rPr>
-              <a:t>로 변경</a:t>
+              <a:t>변경</a:t>
             </a:r>
             <a:endParaRPr lang="en-US" altLang="ko-KR" dirty="0">
               <a:latin typeface="+mn-lt"/>
@@ -8407,17 +8766,37 @@
                 <a:latin typeface="+mn-lt"/>
                 <a:ea typeface="+mj-ea"/>
               </a:rPr>
-              <a:t>결과 그림과 같이 </a:t>
-            </a:r>
-            <a:r>
-              <a:rPr lang="en-US" altLang="ko-KR" dirty="0">
+              <a:t>결과 그림과 </a:t>
+            </a:r>
+            <a:r>
+              <a:rPr lang="ko-KR" altLang="en-US">
                 <a:solidFill>
                   <a:schemeClr val="tx2"/>
                 </a:solidFill>
                 <a:latin typeface="+mn-lt"/>
                 <a:ea typeface="+mj-ea"/>
               </a:rPr>
-              <a:t>neo4j</a:t>
+              <a:t>같이 </a:t>
+            </a:r>
+            <a:r>
+              <a:rPr lang="en-US" altLang="ko-KR">
+                <a:solidFill>
+                  <a:schemeClr val="tx2"/>
+                </a:solidFill>
+                <a:latin typeface="+mn-lt"/>
+                <a:ea typeface="+mj-ea"/>
+              </a:rPr>
+              <a:t>demodb</a:t>
+            </a:r>
+            <a:r>
+              <a:rPr lang="ko-KR" altLang="en-US">
+                <a:solidFill>
+                  <a:schemeClr val="tx2"/>
+                </a:solidFill>
+                <a:latin typeface="+mn-lt"/>
+                <a:ea typeface="+mj-ea"/>
+              </a:rPr>
+              <a:t>로 </a:t>
             </a:r>
             <a:r>
               <a:rPr lang="ko-KR" altLang="en-US" dirty="0">
@@ -8427,7 +8806,7 @@
                 <a:latin typeface="+mn-lt"/>
                 <a:ea typeface="+mj-ea"/>
               </a:rPr>
-              <a:t>로 변경 되었는지 확인</a:t>
+              <a:t>변경 되었는지 확인</a:t>
             </a:r>
             <a:endParaRPr lang="en-US" altLang="ko-KR" dirty="0">
               <a:solidFill>
@@ -8500,96 +8879,6 @@
           </a:p>
         </p:txBody>
       </p:sp>
-      <p:pic>
-        <p:nvPicPr>
-          <p:cNvPr id="6" name="그림 5">
-            <a:extLst>
-              <a:ext uri="{FF2B5EF4-FFF2-40B4-BE49-F238E27FC236}">
-                <a16:creationId xmlns:a16="http://schemas.microsoft.com/office/drawing/2014/main" id="{210931AE-5D04-5C42-B5A1-55708DC55BD3}"/>
-              </a:ext>
-            </a:extLst>
-          </p:cNvPr>
-          <p:cNvPicPr>
-            <a:picLocks noChangeAspect="1"/>
-          </p:cNvPicPr>
-          <p:nvPr/>
-        </p:nvPicPr>
-        <p:blipFill>
-          <a:blip r:embed="rId2"/>
-          <a:stretch>
-            <a:fillRect/>
-          </a:stretch>
-        </p:blipFill>
-        <p:spPr>
-          <a:xfrm>
-            <a:off x="1123967" y="4814396"/>
-            <a:ext cx="2248470" cy="1028294"/>
-          </a:xfrm>
-          <a:prstGeom prst="rect">
-            <a:avLst/>
-          </a:prstGeom>
-        </p:spPr>
-      </p:pic>
-      <p:pic>
-        <p:nvPicPr>
-          <p:cNvPr id="8" name="그림 7">
-            <a:extLst>
-              <a:ext uri="{FF2B5EF4-FFF2-40B4-BE49-F238E27FC236}">
-                <a16:creationId xmlns:a16="http://schemas.microsoft.com/office/drawing/2014/main" id="{5F302922-0078-B18A-E777-5F950E316A8C}"/>
-              </a:ext>
-            </a:extLst>
-          </p:cNvPr>
-          <p:cNvPicPr>
-            <a:picLocks noChangeAspect="1"/>
-          </p:cNvPicPr>
-          <p:nvPr/>
-        </p:nvPicPr>
-        <p:blipFill>
-          <a:blip r:embed="rId3"/>
-          <a:stretch>
-            <a:fillRect/>
-          </a:stretch>
-        </p:blipFill>
-        <p:spPr>
-          <a:xfrm>
-            <a:off x="997695" y="1916832"/>
-            <a:ext cx="2374742" cy="2680485"/>
-          </a:xfrm>
-          <a:prstGeom prst="rect">
-            <a:avLst/>
-          </a:prstGeom>
-        </p:spPr>
-      </p:pic>
-      <p:pic>
-        <p:nvPicPr>
-          <p:cNvPr id="10" name="그림 9">
-            <a:extLst>
-              <a:ext uri="{FF2B5EF4-FFF2-40B4-BE49-F238E27FC236}">
-                <a16:creationId xmlns:a16="http://schemas.microsoft.com/office/drawing/2014/main" id="{4833D505-743F-7D93-6708-41C1278C1466}"/>
-              </a:ext>
-            </a:extLst>
-          </p:cNvPr>
-          <p:cNvPicPr>
-            <a:picLocks noChangeAspect="1"/>
-          </p:cNvPicPr>
-          <p:nvPr/>
-        </p:nvPicPr>
-        <p:blipFill>
-          <a:blip r:embed="rId4"/>
-          <a:stretch>
-            <a:fillRect/>
-          </a:stretch>
-        </p:blipFill>
-        <p:spPr>
-          <a:xfrm>
-            <a:off x="5004048" y="1919630"/>
-            <a:ext cx="2448588" cy="3760791"/>
-          </a:xfrm>
-          <a:prstGeom prst="rect">
-            <a:avLst/>
-          </a:prstGeom>
-        </p:spPr>
-      </p:pic>
       <p:cxnSp>
         <p:nvCxnSpPr>
           <p:cNvPr id="11" name="직선 화살표 연결선 10">
@@ -8826,6 +9115,66 @@
           </a:p>
         </p:txBody>
       </p:sp>
+      <p:pic>
+        <p:nvPicPr>
+          <p:cNvPr id="3" name="그림 2">
+            <a:extLst>
+              <a:ext uri="{FF2B5EF4-FFF2-40B4-BE49-F238E27FC236}">
+                <a16:creationId xmlns:a16="http://schemas.microsoft.com/office/drawing/2014/main" id="{0DA9905F-536F-E034-0A8A-4270B1CED2F7}"/>
+              </a:ext>
+            </a:extLst>
+          </p:cNvPr>
+          <p:cNvPicPr>
+            <a:picLocks noChangeAspect="1"/>
+          </p:cNvPicPr>
+          <p:nvPr/>
+        </p:nvPicPr>
+        <p:blipFill>
+          <a:blip r:embed="rId3"/>
+          <a:stretch>
+            <a:fillRect/>
+          </a:stretch>
+        </p:blipFill>
+        <p:spPr>
+          <a:xfrm>
+            <a:off x="970764" y="1869935"/>
+            <a:ext cx="2485826" cy="2783202"/>
+          </a:xfrm>
+          <a:prstGeom prst="rect">
+            <a:avLst/>
+          </a:prstGeom>
+        </p:spPr>
+      </p:pic>
+      <p:pic>
+        <p:nvPicPr>
+          <p:cNvPr id="5" name="그림 4">
+            <a:extLst>
+              <a:ext uri="{FF2B5EF4-FFF2-40B4-BE49-F238E27FC236}">
+                <a16:creationId xmlns:a16="http://schemas.microsoft.com/office/drawing/2014/main" id="{3F5E565A-EF81-40FD-287C-02A9F059EA9C}"/>
+              </a:ext>
+            </a:extLst>
+          </p:cNvPr>
+          <p:cNvPicPr>
+            <a:picLocks noChangeAspect="1"/>
+          </p:cNvPicPr>
+          <p:nvPr/>
+        </p:nvPicPr>
+        <p:blipFill>
+          <a:blip r:embed="rId4"/>
+          <a:stretch>
+            <a:fillRect/>
+          </a:stretch>
+        </p:blipFill>
+        <p:spPr>
+          <a:xfrm>
+            <a:off x="1269167" y="4826341"/>
+            <a:ext cx="2187423" cy="1287989"/>
+          </a:xfrm>
+          <a:prstGeom prst="rect">
+            <a:avLst/>
+          </a:prstGeom>
+        </p:spPr>
+      </p:pic>
     </p:spTree>
     <p:extLst>
       <p:ext uri="{BB962C8B-B14F-4D97-AF65-F5344CB8AC3E}">
@@ -9974,6 +10323,12 @@
 </file>
 
 <file path=customXml/item1.xml><?xml version="1.0" encoding="utf-8"?>
+<p:properties xmlns:p="http://schemas.microsoft.com/office/2006/metadata/properties" xmlns:xsi="http://www.w3.org/2001/XMLSchema-instance" xmlns:pc="http://schemas.microsoft.com/office/infopath/2007/PartnerControls">
+  <documentManagement/>
+</p:properties>
+</file>
+
+<file path=customXml/item2.xml><?xml version="1.0" encoding="utf-8"?>
 <ct:contentTypeSchema xmlns:ct="http://schemas.microsoft.com/office/2006/metadata/contentType" xmlns:ma="http://schemas.microsoft.com/office/2006/metadata/properties/metaAttributes" ct:_="" ma:_="" ma:contentTypeName="문서" ma:contentTypeID="0x01010094045299AFDCA045855F8344FFFCB4B4" ma:contentTypeVersion="0" ma:contentTypeDescription="새 문서를 만듭니다." ma:contentTypeScope="" ma:versionID="48340f7fc8974c11d41f573f4a5aa434">
   <xsd:schema xmlns:xsd="http://www.w3.org/2001/XMLSchema" xmlns:p="http://schemas.microsoft.com/office/2006/metadata/properties" targetNamespace="http://schemas.microsoft.com/office/2006/metadata/properties" ma:root="true" ma:fieldsID="6d1ee5c80bf69a1ee28e268965e8a726">
     <xsd:element name="properties">
@@ -10022,7 +10377,7 @@
 </ct:contentTypeSchema>
 </file>
 
-<file path=customXml/item2.xml><?xml version="1.0" encoding="utf-8"?>
+<file path=customXml/item3.xml><?xml version="1.0" encoding="utf-8"?>
 <?mso-contentType ?>
 <FormTemplates xmlns="http://schemas.microsoft.com/sharepoint/v3/contenttype/forms">
   <Display>DocumentLibraryForm</Display>
@@ -10031,13 +10386,22 @@
 </FormTemplates>
 </file>
 
-<file path=customXml/item3.xml><?xml version="1.0" encoding="utf-8"?>
-<p:properties xmlns:p="http://schemas.microsoft.com/office/2006/metadata/properties" xmlns:xsi="http://www.w3.org/2001/XMLSchema-instance" xmlns:pc="http://schemas.microsoft.com/office/infopath/2007/PartnerControls">
-  <documentManagement/>
-</p:properties>
+<file path=customXml/itemProps1.xml><?xml version="1.0" encoding="utf-8"?>
+<ds:datastoreItem xmlns:ds="http://schemas.openxmlformats.org/officeDocument/2006/customXml" ds:itemID="{2930EFD6-240A-4E79-92AB-0E3FAF99B1B1}">
+  <ds:schemaRefs>
+    <ds:schemaRef ds:uri="http://purl.org/dc/dcmitype/"/>
+    <ds:schemaRef ds:uri="http://purl.org/dc/terms/"/>
+    <ds:schemaRef ds:uri="http://schemas.microsoft.com/office/2006/documentManagement/types"/>
+    <ds:schemaRef ds:uri="http://www.w3.org/XML/1998/namespace"/>
+    <ds:schemaRef ds:uri="http://purl.org/dc/elements/1.1/"/>
+    <ds:schemaRef ds:uri="http://schemas.openxmlformats.org/package/2006/metadata/core-properties"/>
+    <ds:schemaRef ds:uri="http://schemas.microsoft.com/office/2006/metadata/properties"/>
+    <ds:schemaRef ds:uri="http://schemas.microsoft.com/office/infopath/2007/PartnerControls"/>
+  </ds:schemaRefs>
+</ds:datastoreItem>
 </file>
 
-<file path=customXml/itemProps1.xml><?xml version="1.0" encoding="utf-8"?>
+<file path=customXml/itemProps2.xml><?xml version="1.0" encoding="utf-8"?>
 <ds:datastoreItem xmlns:ds="http://schemas.openxmlformats.org/officeDocument/2006/customXml" ds:itemID="{4BE7663C-9F19-41FD-9D3F-084CE93354FA}">
   <ds:schemaRefs>
     <ds:schemaRef ds:uri="http://schemas.microsoft.com/office/2006/metadata/contentType"/>
@@ -10052,25 +10416,10 @@
 </ds:datastoreItem>
 </file>
 
-<file path=customXml/itemProps2.xml><?xml version="1.0" encoding="utf-8"?>
+<file path=customXml/itemProps3.xml><?xml version="1.0" encoding="utf-8"?>
 <ds:datastoreItem xmlns:ds="http://schemas.openxmlformats.org/officeDocument/2006/customXml" ds:itemID="{290F850F-1707-4042-B785-91620C10ADD0}">
   <ds:schemaRefs>
     <ds:schemaRef ds:uri="http://schemas.microsoft.com/sharepoint/v3/contenttype/forms"/>
   </ds:schemaRefs>
 </ds:datastoreItem>
-</file>
-
-<file path=customXml/itemProps3.xml><?xml version="1.0" encoding="utf-8"?>
-<ds:datastoreItem xmlns:ds="http://schemas.openxmlformats.org/officeDocument/2006/customXml" ds:itemID="{2930EFD6-240A-4E79-92AB-0E3FAF99B1B1}">
-  <ds:schemaRefs>
-    <ds:schemaRef ds:uri="http://purl.org/dc/dcmitype/"/>
-    <ds:schemaRef ds:uri="http://purl.org/dc/terms/"/>
-    <ds:schemaRef ds:uri="http://schemas.microsoft.com/office/2006/documentManagement/types"/>
-    <ds:schemaRef ds:uri="http://www.w3.org/XML/1998/namespace"/>
-    <ds:schemaRef ds:uri="http://purl.org/dc/elements/1.1/"/>
-    <ds:schemaRef ds:uri="http://schemas.openxmlformats.org/package/2006/metadata/core-properties"/>
-    <ds:schemaRef ds:uri="http://schemas.microsoft.com/office/2006/metadata/properties"/>
-    <ds:schemaRef ds:uri="http://schemas.microsoft.com/office/infopath/2007/PartnerControls"/>
-  </ds:schemaRefs>
-</ds:datastoreItem>
 </file>
--- a/ViT_docs/Test scenario-ViT/No.1-연결탐색기(Database Navigator).pptx
+++ b/ViT_docs/Test scenario-ViT/No.1-연결탐색기(Database Navigator).pptx
@@ -6,10 +6,10 @@
     <p:sldMasterId id="2147484752" r:id="rId5"/>
   </p:sldMasterIdLst>
   <p:notesMasterIdLst>
-    <p:notesMasterId r:id="rId18"/>
+    <p:notesMasterId r:id="rId17"/>
   </p:notesMasterIdLst>
   <p:handoutMasterIdLst>
-    <p:handoutMasterId r:id="rId19"/>
+    <p:handoutMasterId r:id="rId18"/>
   </p:handoutMasterIdLst>
   <p:sldIdLst>
     <p:sldId id="487" r:id="rId6"/>
@@ -23,24 +23,23 @@
     <p:sldId id="773" r:id="rId14"/>
     <p:sldId id="774" r:id="rId15"/>
     <p:sldId id="775" r:id="rId16"/>
-    <p:sldId id="776" r:id="rId17"/>
   </p:sldIdLst>
   <p:sldSz cx="9144000" cy="6858000" type="screen4x3"/>
   <p:notesSz cx="6669088" cy="9928225"/>
   <p:embeddedFontLst>
     <p:embeddedFont>
       <p:font typeface="나눔고딕" panose="020D0604000000000000" pitchFamily="50" charset="-127"/>
-      <p:regular r:id="rId20"/>
+      <p:regular r:id="rId19"/>
+      <p:bold r:id="rId20"/>
+    </p:embeddedFont>
+    <p:embeddedFont>
+      <p:font typeface="나눔고딕 Bold" panose="020D0804000000000000" pitchFamily="50" charset="-127"/>
       <p:bold r:id="rId21"/>
     </p:embeddedFont>
     <p:embeddedFont>
-      <p:font typeface="나눔고딕 Bold" panose="020D0804000000000000" pitchFamily="50" charset="-127"/>
-      <p:bold r:id="rId22"/>
-    </p:embeddedFont>
-    <p:embeddedFont>
       <p:font typeface="맑은 고딕" panose="020B0503020000020004" pitchFamily="50" charset="-127"/>
-      <p:regular r:id="rId23"/>
-      <p:bold r:id="rId24"/>
+      <p:regular r:id="rId22"/>
+      <p:bold r:id="rId23"/>
     </p:embeddedFont>
   </p:embeddedFontLst>
   <p:defaultTextStyle>
@@ -4619,379 +4618,6 @@
 </p:sld>
 </file>
 
-<file path=ppt/slides/slide12.xml><?xml version="1.0" encoding="utf-8"?>
-<p:sld xmlns:a="http://schemas.openxmlformats.org/drawingml/2006/main" xmlns:r="http://schemas.openxmlformats.org/officeDocument/2006/relationships" xmlns:p="http://schemas.openxmlformats.org/presentationml/2006/main">
-  <p:cSld>
-    <p:spTree>
-      <p:nvGrpSpPr>
-        <p:cNvPr id="1" name=""/>
-        <p:cNvGrpSpPr/>
-        <p:nvPr/>
-      </p:nvGrpSpPr>
-      <p:grpSpPr>
-        <a:xfrm>
-          <a:off x="0" y="0"/>
-          <a:ext cx="0" cy="0"/>
-          <a:chOff x="0" y="0"/>
-          <a:chExt cx="0" cy="0"/>
-        </a:xfrm>
-      </p:grpSpPr>
-      <p:sp>
-        <p:nvSpPr>
-          <p:cNvPr id="49156" name="내용 개체 틀 4"/>
-          <p:cNvSpPr>
-            <a:spLocks noGrp="1"/>
-          </p:cNvSpPr>
-          <p:nvPr>
-            <p:ph idx="1"/>
-          </p:nvPr>
-        </p:nvSpPr>
-        <p:spPr bwMode="auto">
-          <a:noFill/>
-          <a:extLst>
-            <a:ext uri="{909E8E84-426E-40DD-AFC4-6F175D3DCCD1}">
-              <a14:hiddenFill xmlns:a14="http://schemas.microsoft.com/office/drawing/2010/main">
-                <a:solidFill>
-                  <a:srgbClr val="FFFFFF"/>
-                </a:solidFill>
-              </a14:hiddenFill>
-            </a:ext>
-            <a:ext uri="{91240B29-F687-4F45-9708-019B960494DF}">
-              <a14:hiddenLine xmlns:a14="http://schemas.microsoft.com/office/drawing/2010/main" w="9525">
-                <a:solidFill>
-                  <a:srgbClr val="000000"/>
-                </a:solidFill>
-                <a:miter lim="800000"/>
-                <a:headEnd/>
-                <a:tailEnd/>
-              </a14:hiddenLine>
-            </a:ext>
-          </a:extLst>
-        </p:spPr>
-        <p:txBody>
-          <a:bodyPr vert="horz" wrap="square" lIns="91440" tIns="45720" rIns="91440" bIns="45720" numCol="1" anchor="t" anchorCtr="0" compatLnSpc="1">
-            <a:prstTxWarp prst="textNoShape">
-              <a:avLst/>
-            </a:prstTxWarp>
-          </a:bodyPr>
-          <a:lstStyle/>
-          <a:p>
-            <a:pPr>
-              <a:buFontTx/>
-              <a:buChar char="-"/>
-            </a:pPr>
-            <a:r>
-              <a:rPr lang="en-US" altLang="ko-KR">
-                <a:latin typeface="+mn-lt"/>
-                <a:ea typeface="+mj-ea"/>
-              </a:rPr>
-              <a:t>demodb </a:t>
-            </a:r>
-            <a:r>
-              <a:rPr lang="en-US" altLang="ko-KR" dirty="0">
-                <a:latin typeface="+mn-lt"/>
-                <a:ea typeface="+mj-ea"/>
-              </a:rPr>
-              <a:t>1 </a:t>
-            </a:r>
-            <a:r>
-              <a:rPr lang="ko-KR" altLang="en-US" dirty="0">
-                <a:latin typeface="+mn-lt"/>
-                <a:ea typeface="+mj-ea"/>
-              </a:rPr>
-              <a:t>삭제 </a:t>
-            </a:r>
-            <a:r>
-              <a:rPr lang="en-US" altLang="ko-KR" dirty="0">
-                <a:latin typeface="+mn-lt"/>
-                <a:ea typeface="+mj-ea"/>
-              </a:rPr>
-              <a:t>-&gt; Yes -&gt; </a:t>
-            </a:r>
-            <a:r>
-              <a:rPr lang="ko-KR" altLang="en-US" dirty="0">
-                <a:solidFill>
-                  <a:schemeClr val="tx2"/>
-                </a:solidFill>
-                <a:latin typeface="+mn-lt"/>
-                <a:ea typeface="+mj-ea"/>
-              </a:rPr>
-              <a:t>결과 </a:t>
-            </a:r>
-            <a:r>
-              <a:rPr lang="en-US" altLang="ko-KR" dirty="0">
-                <a:solidFill>
-                  <a:schemeClr val="tx2"/>
-                </a:solidFill>
-                <a:latin typeface="+mn-lt"/>
-                <a:ea typeface="+mj-ea"/>
-              </a:rPr>
-              <a:t>: </a:t>
-            </a:r>
-            <a:r>
-              <a:rPr lang="ko-KR" altLang="en-US" dirty="0">
-                <a:solidFill>
-                  <a:schemeClr val="tx2"/>
-                </a:solidFill>
-                <a:latin typeface="+mn-lt"/>
-                <a:ea typeface="+mj-ea"/>
-              </a:rPr>
-              <a:t>삭제 확인</a:t>
-            </a:r>
-            <a:endParaRPr lang="en-US" altLang="ko-KR" dirty="0">
-              <a:solidFill>
-                <a:schemeClr val="tx2"/>
-              </a:solidFill>
-              <a:latin typeface="+mn-lt"/>
-              <a:ea typeface="+mj-ea"/>
-            </a:endParaRPr>
-          </a:p>
-        </p:txBody>
-      </p:sp>
-      <p:sp>
-        <p:nvSpPr>
-          <p:cNvPr id="49154" name="제목 1"/>
-          <p:cNvSpPr>
-            <a:spLocks noGrp="1"/>
-          </p:cNvSpPr>
-          <p:nvPr>
-            <p:ph type="title"/>
-          </p:nvPr>
-        </p:nvSpPr>
-        <p:spPr bwMode="auto">
-          <a:noFill/>
-          <a:extLst>
-            <a:ext uri="{909E8E84-426E-40DD-AFC4-6F175D3DCCD1}">
-              <a14:hiddenFill xmlns:a14="http://schemas.microsoft.com/office/drawing/2010/main">
-                <a:solidFill>
-                  <a:srgbClr val="FFFFFF"/>
-                </a:solidFill>
-              </a14:hiddenFill>
-            </a:ext>
-            <a:ext uri="{91240B29-F687-4F45-9708-019B960494DF}">
-              <a14:hiddenLine xmlns:a14="http://schemas.microsoft.com/office/drawing/2010/main" w="9525">
-                <a:solidFill>
-                  <a:srgbClr val="000000"/>
-                </a:solidFill>
-                <a:miter lim="800000"/>
-                <a:headEnd/>
-                <a:tailEnd/>
-              </a14:hiddenLine>
-            </a:ext>
-          </a:extLst>
-        </p:spPr>
-        <p:txBody>
-          <a:bodyPr vert="horz" wrap="square" lIns="91440" tIns="45720" rIns="91440" bIns="45720" numCol="1" anchor="t" anchorCtr="0" compatLnSpc="1">
-            <a:prstTxWarp prst="textNoShape">
-              <a:avLst/>
-            </a:prstTxWarp>
-          </a:bodyPr>
-          <a:lstStyle/>
-          <a:p>
-            <a:r>
-              <a:rPr lang="en-US" altLang="ko-KR" dirty="0">
-                <a:latin typeface="+mn-lt"/>
-                <a:ea typeface="+mj-ea"/>
-              </a:rPr>
-              <a:t>8. </a:t>
-            </a:r>
-            <a:r>
-              <a:rPr lang="ko-KR" altLang="en-US" dirty="0">
-                <a:latin typeface="+mn-lt"/>
-                <a:ea typeface="+mj-ea"/>
-              </a:rPr>
-              <a:t>삭제</a:t>
-            </a:r>
-            <a:endParaRPr lang="ko-KR" altLang="en-US" sz="1400" dirty="0">
-              <a:latin typeface="+mn-lt"/>
-              <a:ea typeface="+mj-ea"/>
-            </a:endParaRPr>
-          </a:p>
-        </p:txBody>
-      </p:sp>
-      <p:pic>
-        <p:nvPicPr>
-          <p:cNvPr id="4" name="그림 3">
-            <a:extLst>
-              <a:ext uri="{FF2B5EF4-FFF2-40B4-BE49-F238E27FC236}">
-                <a16:creationId xmlns:a16="http://schemas.microsoft.com/office/drawing/2014/main" id="{D9AF6C22-7174-B65D-26A1-153C8D204360}"/>
-              </a:ext>
-            </a:extLst>
-          </p:cNvPr>
-          <p:cNvPicPr>
-            <a:picLocks noChangeAspect="1"/>
-          </p:cNvPicPr>
-          <p:nvPr/>
-        </p:nvPicPr>
-        <p:blipFill>
-          <a:blip r:embed="rId2"/>
-          <a:stretch>
-            <a:fillRect/>
-          </a:stretch>
-        </p:blipFill>
-        <p:spPr>
-          <a:xfrm>
-            <a:off x="1124622" y="1772816"/>
-            <a:ext cx="2511274" cy="4252317"/>
-          </a:xfrm>
-          <a:prstGeom prst="rect">
-            <a:avLst/>
-          </a:prstGeom>
-        </p:spPr>
-      </p:pic>
-      <p:pic>
-        <p:nvPicPr>
-          <p:cNvPr id="7" name="그림 6">
-            <a:extLst>
-              <a:ext uri="{FF2B5EF4-FFF2-40B4-BE49-F238E27FC236}">
-                <a16:creationId xmlns:a16="http://schemas.microsoft.com/office/drawing/2014/main" id="{75475F9E-C358-92C6-F699-AD69623834E7}"/>
-              </a:ext>
-            </a:extLst>
-          </p:cNvPr>
-          <p:cNvPicPr>
-            <a:picLocks noChangeAspect="1"/>
-          </p:cNvPicPr>
-          <p:nvPr/>
-        </p:nvPicPr>
-        <p:blipFill>
-          <a:blip r:embed="rId3"/>
-          <a:stretch>
-            <a:fillRect/>
-          </a:stretch>
-        </p:blipFill>
-        <p:spPr>
-          <a:xfrm>
-            <a:off x="4860032" y="2044415"/>
-            <a:ext cx="3289428" cy="952537"/>
-          </a:xfrm>
-          <a:prstGeom prst="rect">
-            <a:avLst/>
-          </a:prstGeom>
-        </p:spPr>
-      </p:pic>
-      <p:pic>
-        <p:nvPicPr>
-          <p:cNvPr id="9" name="그림 8">
-            <a:extLst>
-              <a:ext uri="{FF2B5EF4-FFF2-40B4-BE49-F238E27FC236}">
-                <a16:creationId xmlns:a16="http://schemas.microsoft.com/office/drawing/2014/main" id="{E1F4EE06-19F3-80C1-DED8-6A5C4F869B5B}"/>
-              </a:ext>
-            </a:extLst>
-          </p:cNvPr>
-          <p:cNvPicPr>
-            <a:picLocks noChangeAspect="1"/>
-          </p:cNvPicPr>
-          <p:nvPr/>
-        </p:nvPicPr>
-        <p:blipFill>
-          <a:blip r:embed="rId4"/>
-          <a:stretch>
-            <a:fillRect/>
-          </a:stretch>
-        </p:blipFill>
-        <p:spPr>
-          <a:xfrm>
-            <a:off x="5552653" y="4221088"/>
-            <a:ext cx="1971675" cy="1339602"/>
-          </a:xfrm>
-          <a:prstGeom prst="rect">
-            <a:avLst/>
-          </a:prstGeom>
-        </p:spPr>
-      </p:pic>
-      <p:cxnSp>
-        <p:nvCxnSpPr>
-          <p:cNvPr id="14" name="직선 화살표 연결선 13">
-            <a:extLst>
-              <a:ext uri="{FF2B5EF4-FFF2-40B4-BE49-F238E27FC236}">
-                <a16:creationId xmlns:a16="http://schemas.microsoft.com/office/drawing/2014/main" id="{BAAD1837-497D-E9B7-81B0-470D3854DBF0}"/>
-              </a:ext>
-            </a:extLst>
-          </p:cNvPr>
-          <p:cNvCxnSpPr>
-            <a:cxnSpLocks/>
-          </p:cNvCxnSpPr>
-          <p:nvPr/>
-        </p:nvCxnSpPr>
-        <p:spPr>
-          <a:xfrm>
-            <a:off x="3851920" y="2492896"/>
-            <a:ext cx="720080" cy="0"/>
-          </a:xfrm>
-          <a:prstGeom prst="straightConnector1">
-            <a:avLst/>
-          </a:prstGeom>
-          <a:ln>
-            <a:tailEnd type="triangle"/>
-          </a:ln>
-        </p:spPr>
-        <p:style>
-          <a:lnRef idx="1">
-            <a:schemeClr val="accent1"/>
-          </a:lnRef>
-          <a:fillRef idx="0">
-            <a:schemeClr val="accent1"/>
-          </a:fillRef>
-          <a:effectRef idx="0">
-            <a:schemeClr val="accent1"/>
-          </a:effectRef>
-          <a:fontRef idx="minor">
-            <a:schemeClr val="tx1"/>
-          </a:fontRef>
-        </p:style>
-      </p:cxnSp>
-      <p:cxnSp>
-        <p:nvCxnSpPr>
-          <p:cNvPr id="18" name="직선 화살표 연결선 17">
-            <a:extLst>
-              <a:ext uri="{FF2B5EF4-FFF2-40B4-BE49-F238E27FC236}">
-                <a16:creationId xmlns:a16="http://schemas.microsoft.com/office/drawing/2014/main" id="{6638BB9C-95A5-10B4-8D6D-0583FD1A42DD}"/>
-              </a:ext>
-            </a:extLst>
-          </p:cNvPr>
-          <p:cNvCxnSpPr/>
-          <p:nvPr/>
-        </p:nvCxnSpPr>
-        <p:spPr>
-          <a:xfrm>
-            <a:off x="6516216" y="3140968"/>
-            <a:ext cx="0" cy="792088"/>
-          </a:xfrm>
-          <a:prstGeom prst="straightConnector1">
-            <a:avLst/>
-          </a:prstGeom>
-          <a:ln>
-            <a:tailEnd type="triangle"/>
-          </a:ln>
-        </p:spPr>
-        <p:style>
-          <a:lnRef idx="1">
-            <a:schemeClr val="accent1"/>
-          </a:lnRef>
-          <a:fillRef idx="0">
-            <a:schemeClr val="accent1"/>
-          </a:fillRef>
-          <a:effectRef idx="0">
-            <a:schemeClr val="accent1"/>
-          </a:effectRef>
-          <a:fontRef idx="minor">
-            <a:schemeClr val="tx1"/>
-          </a:fontRef>
-        </p:style>
-      </p:cxnSp>
-    </p:spTree>
-    <p:extLst>
-      <p:ext uri="{BB962C8B-B14F-4D97-AF65-F5344CB8AC3E}">
-        <p14:creationId xmlns:p14="http://schemas.microsoft.com/office/powerpoint/2010/main" val="4115956093"/>
-      </p:ext>
-    </p:extLst>
-  </p:cSld>
-  <p:clrMapOvr>
-    <a:masterClrMapping/>
-  </p:clrMapOvr>
-</p:sld>
-</file>
-
 <file path=ppt/slides/slide2.xml><?xml version="1.0" encoding="utf-8"?>
 <p:sld xmlns:a="http://schemas.openxmlformats.org/drawingml/2006/main" xmlns:r="http://schemas.openxmlformats.org/officeDocument/2006/relationships" xmlns:p="http://schemas.openxmlformats.org/presentationml/2006/main">
   <p:cSld>
@@ -6373,15 +5999,40 @@
                 <a:latin typeface="+mn-lt"/>
                 <a:ea typeface="+mj-ea"/>
               </a:rPr>
-              <a:t>를 다운로드 합니다</a:t>
-            </a:r>
-            <a:r>
-              <a:rPr lang="en-US" altLang="ko-KR" dirty="0">
+              <a:t>를 다운로드 </a:t>
+            </a:r>
+            <a:r>
+              <a:rPr lang="ko-KR" altLang="en-US">
+                <a:latin typeface="+mn-lt"/>
+                <a:ea typeface="+mj-ea"/>
+              </a:rPr>
+              <a:t>합니다</a:t>
+            </a:r>
+            <a:r>
+              <a:rPr lang="en-US" altLang="ko-KR">
+                <a:latin typeface="+mn-lt"/>
+                <a:ea typeface="+mj-ea"/>
+              </a:rPr>
+              <a:t>. Maven Repository</a:t>
+            </a:r>
+            <a:r>
+              <a:rPr lang="ko-KR" altLang="en-US">
+                <a:latin typeface="+mn-lt"/>
+                <a:ea typeface="+mj-ea"/>
+              </a:rPr>
+              <a:t>에서 최신 드라이버가 다운로드 됩니다</a:t>
+            </a:r>
+            <a:r>
+              <a:rPr lang="en-US" altLang="ko-KR">
                 <a:latin typeface="+mn-lt"/>
                 <a:ea typeface="+mj-ea"/>
               </a:rPr>
               <a:t>.</a:t>
             </a:r>
+            <a:endParaRPr lang="en-US" altLang="ko-KR" dirty="0">
+              <a:latin typeface="+mn-lt"/>
+              <a:ea typeface="+mj-ea"/>
+            </a:endParaRPr>
           </a:p>
           <a:p>
             <a:pPr marL="0" indent="0">
@@ -10323,12 +9974,6 @@
 </file>
 
 <file path=customXml/item1.xml><?xml version="1.0" encoding="utf-8"?>
-<p:properties xmlns:p="http://schemas.microsoft.com/office/2006/metadata/properties" xmlns:xsi="http://www.w3.org/2001/XMLSchema-instance" xmlns:pc="http://schemas.microsoft.com/office/infopath/2007/PartnerControls">
-  <documentManagement/>
-</p:properties>
-</file>
-
-<file path=customXml/item2.xml><?xml version="1.0" encoding="utf-8"?>
 <ct:contentTypeSchema xmlns:ct="http://schemas.microsoft.com/office/2006/metadata/contentType" xmlns:ma="http://schemas.microsoft.com/office/2006/metadata/properties/metaAttributes" ct:_="" ma:_="" ma:contentTypeName="문서" ma:contentTypeID="0x01010094045299AFDCA045855F8344FFFCB4B4" ma:contentTypeVersion="0" ma:contentTypeDescription="새 문서를 만듭니다." ma:contentTypeScope="" ma:versionID="48340f7fc8974c11d41f573f4a5aa434">
   <xsd:schema xmlns:xsd="http://www.w3.org/2001/XMLSchema" xmlns:p="http://schemas.microsoft.com/office/2006/metadata/properties" targetNamespace="http://schemas.microsoft.com/office/2006/metadata/properties" ma:root="true" ma:fieldsID="6d1ee5c80bf69a1ee28e268965e8a726">
     <xsd:element name="properties">
@@ -10377,6 +10022,12 @@
 </ct:contentTypeSchema>
 </file>
 
+<file path=customXml/item2.xml><?xml version="1.0" encoding="utf-8"?>
+<p:properties xmlns:p="http://schemas.microsoft.com/office/2006/metadata/properties" xmlns:xsi="http://www.w3.org/2001/XMLSchema-instance" xmlns:pc="http://schemas.microsoft.com/office/infopath/2007/PartnerControls">
+  <documentManagement/>
+</p:properties>
+</file>
+
 <file path=customXml/item3.xml><?xml version="1.0" encoding="utf-8"?>
 <?mso-contentType ?>
 <FormTemplates xmlns="http://schemas.microsoft.com/sharepoint/v3/contenttype/forms">
@@ -10387,6 +10038,21 @@
 </file>
 
 <file path=customXml/itemProps1.xml><?xml version="1.0" encoding="utf-8"?>
+<ds:datastoreItem xmlns:ds="http://schemas.openxmlformats.org/officeDocument/2006/customXml" ds:itemID="{4BE7663C-9F19-41FD-9D3F-084CE93354FA}">
+  <ds:schemaRefs>
+    <ds:schemaRef ds:uri="http://schemas.microsoft.com/office/2006/metadata/contentType"/>
+    <ds:schemaRef ds:uri="http://schemas.microsoft.com/office/2006/metadata/properties/metaAttributes"/>
+    <ds:schemaRef ds:uri="http://www.w3.org/2001/XMLSchema"/>
+    <ds:schemaRef ds:uri="http://schemas.microsoft.com/office/2006/metadata/properties"/>
+    <ds:schemaRef ds:uri="http://schemas.openxmlformats.org/package/2006/metadata/core-properties"/>
+    <ds:schemaRef ds:uri="http://purl.org/dc/elements/1.1/"/>
+    <ds:schemaRef ds:uri="http://purl.org/dc/terms/"/>
+    <ds:schemaRef ds:uri="http://schemas.microsoft.com/office/internal/2005/internalDocumentation"/>
+  </ds:schemaRefs>
+</ds:datastoreItem>
+</file>
+
+<file path=customXml/itemProps2.xml><?xml version="1.0" encoding="utf-8"?>
 <ds:datastoreItem xmlns:ds="http://schemas.openxmlformats.org/officeDocument/2006/customXml" ds:itemID="{2930EFD6-240A-4E79-92AB-0E3FAF99B1B1}">
   <ds:schemaRefs>
     <ds:schemaRef ds:uri="http://purl.org/dc/dcmitype/"/>
@@ -10401,21 +10067,6 @@
 </ds:datastoreItem>
 </file>
 
-<file path=customXml/itemProps2.xml><?xml version="1.0" encoding="utf-8"?>
-<ds:datastoreItem xmlns:ds="http://schemas.openxmlformats.org/officeDocument/2006/customXml" ds:itemID="{4BE7663C-9F19-41FD-9D3F-084CE93354FA}">
-  <ds:schemaRefs>
-    <ds:schemaRef ds:uri="http://schemas.microsoft.com/office/2006/metadata/contentType"/>
-    <ds:schemaRef ds:uri="http://schemas.microsoft.com/office/2006/metadata/properties/metaAttributes"/>
-    <ds:schemaRef ds:uri="http://www.w3.org/2001/XMLSchema"/>
-    <ds:schemaRef ds:uri="http://schemas.microsoft.com/office/2006/metadata/properties"/>
-    <ds:schemaRef ds:uri="http://schemas.openxmlformats.org/package/2006/metadata/core-properties"/>
-    <ds:schemaRef ds:uri="http://purl.org/dc/elements/1.1/"/>
-    <ds:schemaRef ds:uri="http://purl.org/dc/terms/"/>
-    <ds:schemaRef ds:uri="http://schemas.microsoft.com/office/internal/2005/internalDocumentation"/>
-  </ds:schemaRefs>
-</ds:datastoreItem>
-</file>
-
 <file path=customXml/itemProps3.xml><?xml version="1.0" encoding="utf-8"?>
 <ds:datastoreItem xmlns:ds="http://schemas.openxmlformats.org/officeDocument/2006/customXml" ds:itemID="{290F850F-1707-4042-B785-91620C10ADD0}">
   <ds:schemaRefs>
